--- a/figs/202211-research-report-figs.pptx
+++ b/figs/202211-research-report-figs.pptx
@@ -5,8 +5,9 @@
     <p:sldMasterId id="2147483648" r:id="rId1"/>
   </p:sldMasterIdLst>
   <p:sldIdLst>
-    <p:sldId id="256" r:id="rId2"/>
-    <p:sldId id="257" r:id="rId3"/>
+    <p:sldId id="258" r:id="rId2"/>
+    <p:sldId id="256" r:id="rId3"/>
+    <p:sldId id="257" r:id="rId4"/>
   </p:sldIdLst>
   <p:sldSz cx="12192000" cy="6858000"/>
   <p:notesSz cx="6858000" cy="9144000"/>
@@ -260,7 +261,7 @@
           <a:p>
             <a:fld id="{CB783243-8AE7-4B41-92B3-D2470D0FF610}" type="datetimeFigureOut">
               <a:rPr lang="zh-CN" altLang="en-US" smtClean="0"/>
-              <a:t>2022/10/26</a:t>
+              <a:t>2022/10/27</a:t>
             </a:fld>
             <a:endParaRPr lang="zh-CN" altLang="en-US"/>
           </a:p>
@@ -458,7 +459,7 @@
           <a:p>
             <a:fld id="{CB783243-8AE7-4B41-92B3-D2470D0FF610}" type="datetimeFigureOut">
               <a:rPr lang="zh-CN" altLang="en-US" smtClean="0"/>
-              <a:t>2022/10/26</a:t>
+              <a:t>2022/10/27</a:t>
             </a:fld>
             <a:endParaRPr lang="zh-CN" altLang="en-US"/>
           </a:p>
@@ -666,7 +667,7 @@
           <a:p>
             <a:fld id="{CB783243-8AE7-4B41-92B3-D2470D0FF610}" type="datetimeFigureOut">
               <a:rPr lang="zh-CN" altLang="en-US" smtClean="0"/>
-              <a:t>2022/10/26</a:t>
+              <a:t>2022/10/27</a:t>
             </a:fld>
             <a:endParaRPr lang="zh-CN" altLang="en-US"/>
           </a:p>
@@ -864,7 +865,7 @@
           <a:p>
             <a:fld id="{CB783243-8AE7-4B41-92B3-D2470D0FF610}" type="datetimeFigureOut">
               <a:rPr lang="zh-CN" altLang="en-US" smtClean="0"/>
-              <a:t>2022/10/26</a:t>
+              <a:t>2022/10/27</a:t>
             </a:fld>
             <a:endParaRPr lang="zh-CN" altLang="en-US"/>
           </a:p>
@@ -1139,7 +1140,7 @@
           <a:p>
             <a:fld id="{CB783243-8AE7-4B41-92B3-D2470D0FF610}" type="datetimeFigureOut">
               <a:rPr lang="zh-CN" altLang="en-US" smtClean="0"/>
-              <a:t>2022/10/26</a:t>
+              <a:t>2022/10/27</a:t>
             </a:fld>
             <a:endParaRPr lang="zh-CN" altLang="en-US"/>
           </a:p>
@@ -1404,7 +1405,7 @@
           <a:p>
             <a:fld id="{CB783243-8AE7-4B41-92B3-D2470D0FF610}" type="datetimeFigureOut">
               <a:rPr lang="zh-CN" altLang="en-US" smtClean="0"/>
-              <a:t>2022/10/26</a:t>
+              <a:t>2022/10/27</a:t>
             </a:fld>
             <a:endParaRPr lang="zh-CN" altLang="en-US"/>
           </a:p>
@@ -1816,7 +1817,7 @@
           <a:p>
             <a:fld id="{CB783243-8AE7-4B41-92B3-D2470D0FF610}" type="datetimeFigureOut">
               <a:rPr lang="zh-CN" altLang="en-US" smtClean="0"/>
-              <a:t>2022/10/26</a:t>
+              <a:t>2022/10/27</a:t>
             </a:fld>
             <a:endParaRPr lang="zh-CN" altLang="en-US"/>
           </a:p>
@@ -1957,7 +1958,7 @@
           <a:p>
             <a:fld id="{CB783243-8AE7-4B41-92B3-D2470D0FF610}" type="datetimeFigureOut">
               <a:rPr lang="zh-CN" altLang="en-US" smtClean="0"/>
-              <a:t>2022/10/26</a:t>
+              <a:t>2022/10/27</a:t>
             </a:fld>
             <a:endParaRPr lang="zh-CN" altLang="en-US"/>
           </a:p>
@@ -2070,7 +2071,7 @@
           <a:p>
             <a:fld id="{CB783243-8AE7-4B41-92B3-D2470D0FF610}" type="datetimeFigureOut">
               <a:rPr lang="zh-CN" altLang="en-US" smtClean="0"/>
-              <a:t>2022/10/26</a:t>
+              <a:t>2022/10/27</a:t>
             </a:fld>
             <a:endParaRPr lang="zh-CN" altLang="en-US"/>
           </a:p>
@@ -2381,7 +2382,7 @@
           <a:p>
             <a:fld id="{CB783243-8AE7-4B41-92B3-D2470D0FF610}" type="datetimeFigureOut">
               <a:rPr lang="zh-CN" altLang="en-US" smtClean="0"/>
-              <a:t>2022/10/26</a:t>
+              <a:t>2022/10/27</a:t>
             </a:fld>
             <a:endParaRPr lang="zh-CN" altLang="en-US"/>
           </a:p>
@@ -2669,7 +2670,7 @@
           <a:p>
             <a:fld id="{CB783243-8AE7-4B41-92B3-D2470D0FF610}" type="datetimeFigureOut">
               <a:rPr lang="zh-CN" altLang="en-US" smtClean="0"/>
-              <a:t>2022/10/26</a:t>
+              <a:t>2022/10/27</a:t>
             </a:fld>
             <a:endParaRPr lang="zh-CN" altLang="en-US"/>
           </a:p>
@@ -2910,7 +2911,7 @@
           <a:p>
             <a:fld id="{CB783243-8AE7-4B41-92B3-D2470D0FF610}" type="datetimeFigureOut">
               <a:rPr lang="zh-CN" altLang="en-US" smtClean="0"/>
-              <a:t>2022/10/26</a:t>
+              <a:t>2022/10/27</a:t>
             </a:fld>
             <a:endParaRPr lang="zh-CN" altLang="en-US"/>
           </a:p>
@@ -3329,6 +3330,201 @@
       </p:grpSpPr>
       <p:grpSp>
         <p:nvGrpSpPr>
+          <p:cNvPr id="12" name="组合 11">
+            <a:extLst>
+              <a:ext uri="{FF2B5EF4-FFF2-40B4-BE49-F238E27FC236}">
+                <a16:creationId xmlns:a16="http://schemas.microsoft.com/office/drawing/2014/main" id="{6475A1C8-6AC9-9972-8FBE-AD45F469993A}"/>
+              </a:ext>
+            </a:extLst>
+          </p:cNvPr>
+          <p:cNvGrpSpPr/>
+          <p:nvPr/>
+        </p:nvGrpSpPr>
+        <p:grpSpPr>
+          <a:xfrm>
+            <a:off x="2485610" y="1413586"/>
+            <a:ext cx="7895128" cy="3118568"/>
+            <a:chOff x="2485610" y="1413586"/>
+            <a:chExt cx="7895128" cy="3118568"/>
+          </a:xfrm>
+        </p:grpSpPr>
+        <p:pic>
+          <p:nvPicPr>
+            <p:cNvPr id="5" name="图片 4">
+              <a:extLst>
+                <a:ext uri="{FF2B5EF4-FFF2-40B4-BE49-F238E27FC236}">
+                  <a16:creationId xmlns:a16="http://schemas.microsoft.com/office/drawing/2014/main" id="{27B94871-5E74-5BE2-37A0-E5DF61E3630B}"/>
+                </a:ext>
+              </a:extLst>
+            </p:cNvPr>
+            <p:cNvPicPr>
+              <a:picLocks noChangeAspect="1"/>
+            </p:cNvPicPr>
+            <p:nvPr/>
+          </p:nvPicPr>
+          <p:blipFill>
+            <a:blip r:embed="rId2">
+              <a:extLst>
+                <a:ext uri="{28A0092B-C50C-407E-A947-70E740481C1C}">
+                  <a14:useLocalDpi xmlns:a14="http://schemas.microsoft.com/office/drawing/2010/main" val="0"/>
+                </a:ext>
+              </a:extLst>
+            </a:blip>
+            <a:stretch>
+              <a:fillRect/>
+            </a:stretch>
+          </p:blipFill>
+          <p:spPr>
+            <a:xfrm>
+              <a:off x="2485610" y="3150621"/>
+              <a:ext cx="3945781" cy="1381533"/>
+            </a:xfrm>
+            <a:prstGeom prst="rect">
+              <a:avLst/>
+            </a:prstGeom>
+          </p:spPr>
+        </p:pic>
+        <p:pic>
+          <p:nvPicPr>
+            <p:cNvPr id="7" name="图片 6">
+              <a:extLst>
+                <a:ext uri="{FF2B5EF4-FFF2-40B4-BE49-F238E27FC236}">
+                  <a16:creationId xmlns:a16="http://schemas.microsoft.com/office/drawing/2014/main" id="{796B4567-46E5-3DFF-1AFB-71A7A34197D3}"/>
+                </a:ext>
+              </a:extLst>
+            </p:cNvPr>
+            <p:cNvPicPr>
+              <a:picLocks noChangeAspect="1"/>
+            </p:cNvPicPr>
+            <p:nvPr/>
+          </p:nvPicPr>
+          <p:blipFill>
+            <a:blip r:embed="rId3">
+              <a:extLst>
+                <a:ext uri="{28A0092B-C50C-407E-A947-70E740481C1C}">
+                  <a14:useLocalDpi xmlns:a14="http://schemas.microsoft.com/office/drawing/2010/main" val="0"/>
+                </a:ext>
+              </a:extLst>
+            </a:blip>
+            <a:stretch>
+              <a:fillRect/>
+            </a:stretch>
+          </p:blipFill>
+          <p:spPr>
+            <a:xfrm>
+              <a:off x="3366207" y="1413586"/>
+              <a:ext cx="2184586" cy="1464764"/>
+            </a:xfrm>
+            <a:prstGeom prst="rect">
+              <a:avLst/>
+            </a:prstGeom>
+          </p:spPr>
+        </p:pic>
+        <p:pic>
+          <p:nvPicPr>
+            <p:cNvPr id="9" name="图片 8">
+              <a:extLst>
+                <a:ext uri="{FF2B5EF4-FFF2-40B4-BE49-F238E27FC236}">
+                  <a16:creationId xmlns:a16="http://schemas.microsoft.com/office/drawing/2014/main" id="{CC9F2BF3-4545-1920-FE92-76E34AA7E236}"/>
+                </a:ext>
+              </a:extLst>
+            </p:cNvPr>
+            <p:cNvPicPr>
+              <a:picLocks noChangeAspect="1"/>
+            </p:cNvPicPr>
+            <p:nvPr/>
+          </p:nvPicPr>
+          <p:blipFill>
+            <a:blip r:embed="rId4">
+              <a:extLst>
+                <a:ext uri="{28A0092B-C50C-407E-A947-70E740481C1C}">
+                  <a14:useLocalDpi xmlns:a14="http://schemas.microsoft.com/office/drawing/2010/main" val="0"/>
+                </a:ext>
+              </a:extLst>
+            </a:blip>
+            <a:stretch>
+              <a:fillRect/>
+            </a:stretch>
+          </p:blipFill>
+          <p:spPr>
+            <a:xfrm>
+              <a:off x="6641209" y="1657709"/>
+              <a:ext cx="3739529" cy="976517"/>
+            </a:xfrm>
+            <a:prstGeom prst="rect">
+              <a:avLst/>
+            </a:prstGeom>
+          </p:spPr>
+        </p:pic>
+        <p:pic>
+          <p:nvPicPr>
+            <p:cNvPr id="11" name="图片 10">
+              <a:extLst>
+                <a:ext uri="{FF2B5EF4-FFF2-40B4-BE49-F238E27FC236}">
+                  <a16:creationId xmlns:a16="http://schemas.microsoft.com/office/drawing/2014/main" id="{7F916A9E-B4BA-7C07-9784-0B1AAB28526C}"/>
+                </a:ext>
+              </a:extLst>
+            </p:cNvPr>
+            <p:cNvPicPr>
+              <a:picLocks noChangeAspect="1"/>
+            </p:cNvPicPr>
+            <p:nvPr/>
+          </p:nvPicPr>
+          <p:blipFill>
+            <a:blip r:embed="rId5">
+              <a:extLst>
+                <a:ext uri="{28A0092B-C50C-407E-A947-70E740481C1C}">
+                  <a14:useLocalDpi xmlns:a14="http://schemas.microsoft.com/office/drawing/2010/main" val="0"/>
+                </a:ext>
+              </a:extLst>
+            </a:blip>
+            <a:stretch>
+              <a:fillRect/>
+            </a:stretch>
+          </p:blipFill>
+          <p:spPr>
+            <a:xfrm>
+              <a:off x="6725035" y="3204123"/>
+              <a:ext cx="3571875" cy="1276350"/>
+            </a:xfrm>
+            <a:prstGeom prst="rect">
+              <a:avLst/>
+            </a:prstGeom>
+          </p:spPr>
+        </p:pic>
+      </p:grpSp>
+    </p:spTree>
+    <p:extLst>
+      <p:ext uri="{BB962C8B-B14F-4D97-AF65-F5344CB8AC3E}">
+        <p14:creationId xmlns:p14="http://schemas.microsoft.com/office/powerpoint/2010/main" val="1993372471"/>
+      </p:ext>
+    </p:extLst>
+  </p:cSld>
+  <p:clrMapOvr>
+    <a:masterClrMapping/>
+  </p:clrMapOvr>
+</p:sld>
+</file>
+
+<file path=ppt/slides/slide2.xml><?xml version="1.0" encoding="utf-8"?>
+<p:sld xmlns:a="http://schemas.openxmlformats.org/drawingml/2006/main" xmlns:r="http://schemas.openxmlformats.org/officeDocument/2006/relationships" xmlns:p="http://schemas.openxmlformats.org/presentationml/2006/main">
+  <p:cSld>
+    <p:spTree>
+      <p:nvGrpSpPr>
+        <p:cNvPr id="1" name=""/>
+        <p:cNvGrpSpPr/>
+        <p:nvPr/>
+      </p:nvGrpSpPr>
+      <p:grpSpPr>
+        <a:xfrm>
+          <a:off x="0" y="0"/>
+          <a:ext cx="0" cy="0"/>
+          <a:chOff x="0" y="0"/>
+          <a:chExt cx="0" cy="0"/>
+        </a:xfrm>
+      </p:grpSpPr>
+      <p:grpSp>
+        <p:nvGrpSpPr>
           <p:cNvPr id="11" name="组合 10">
             <a:extLst>
               <a:ext uri="{FF2B5EF4-FFF2-40B4-BE49-F238E27FC236}">
@@ -3490,7 +3686,7 @@
 </p:sld>
 </file>
 
-<file path=ppt/slides/slide2.xml><?xml version="1.0" encoding="utf-8"?>
+<file path=ppt/slides/slide3.xml><?xml version="1.0" encoding="utf-8"?>
 <p:sld xmlns:a="http://schemas.openxmlformats.org/drawingml/2006/main" xmlns:r="http://schemas.openxmlformats.org/officeDocument/2006/relationships" xmlns:p="http://schemas.openxmlformats.org/presentationml/2006/main">
   <p:cSld>
     <p:spTree>
@@ -3509,10 +3705,10 @@
       </p:grpSpPr>
       <p:pic>
         <p:nvPicPr>
-          <p:cNvPr id="3" name="图片 2">
-            <a:extLst>
-              <a:ext uri="{FF2B5EF4-FFF2-40B4-BE49-F238E27FC236}">
-                <a16:creationId xmlns:a16="http://schemas.microsoft.com/office/drawing/2014/main" id="{D661FA68-F68A-CD6C-5CD0-0C1B4FC5B951}"/>
+          <p:cNvPr id="8" name="图片 7">
+            <a:extLst>
+              <a:ext uri="{FF2B5EF4-FFF2-40B4-BE49-F238E27FC236}">
+                <a16:creationId xmlns:a16="http://schemas.microsoft.com/office/drawing/2014/main" id="{49F58AFC-36AD-C73D-1E19-51C28FFCAF33}"/>
               </a:ext>
             </a:extLst>
           </p:cNvPr>
@@ -3535,85 +3731,178 @@
         </p:blipFill>
         <p:spPr>
           <a:xfrm>
-            <a:off x="3386667" y="1803400"/>
-            <a:ext cx="2413000" cy="965200"/>
+            <a:off x="0" y="4174881"/>
+            <a:ext cx="12192000" cy="1539306"/>
           </a:xfrm>
           <a:prstGeom prst="rect">
             <a:avLst/>
           </a:prstGeom>
         </p:spPr>
       </p:pic>
-      <p:pic>
-        <p:nvPicPr>
-          <p:cNvPr id="5" name="图片 4">
-            <a:extLst>
-              <a:ext uri="{FF2B5EF4-FFF2-40B4-BE49-F238E27FC236}">
-                <a16:creationId xmlns:a16="http://schemas.microsoft.com/office/drawing/2014/main" id="{8E8697D5-6364-4A0D-1BF9-3B79FB488905}"/>
-              </a:ext>
-            </a:extLst>
-          </p:cNvPr>
-          <p:cNvPicPr>
-            <a:picLocks noChangeAspect="1"/>
-          </p:cNvPicPr>
+      <p:grpSp>
+        <p:nvGrpSpPr>
+          <p:cNvPr id="11" name="组合 10">
+            <a:extLst>
+              <a:ext uri="{FF2B5EF4-FFF2-40B4-BE49-F238E27FC236}">
+                <a16:creationId xmlns:a16="http://schemas.microsoft.com/office/drawing/2014/main" id="{22DA31DF-663C-F299-1299-138100435094}"/>
+              </a:ext>
+            </a:extLst>
+          </p:cNvPr>
+          <p:cNvGrpSpPr/>
           <p:nvPr/>
-        </p:nvPicPr>
-        <p:blipFill rotWithShape="1">
-          <a:blip r:embed="rId3">
-            <a:extLst>
-              <a:ext uri="{28A0092B-C50C-407E-A947-70E740481C1C}">
-                <a14:useLocalDpi xmlns:a14="http://schemas.microsoft.com/office/drawing/2010/main" val="0"/>
-              </a:ext>
-            </a:extLst>
-          </a:blip>
-          <a:srcRect l="9718" t="33054" r="10701" b="37404"/>
-          <a:stretch/>
-        </p:blipFill>
-        <p:spPr>
+        </p:nvGrpSpPr>
+        <p:grpSpPr>
           <a:xfrm>
-            <a:off x="3723948" y="2988733"/>
-            <a:ext cx="4744103" cy="880534"/>
+            <a:off x="3366979" y="1759045"/>
+            <a:ext cx="5637565" cy="3112427"/>
+            <a:chOff x="3366979" y="1759045"/>
+            <a:chExt cx="5637565" cy="3112427"/>
           </a:xfrm>
-          <a:prstGeom prst="rect">
-            <a:avLst/>
-          </a:prstGeom>
-        </p:spPr>
-      </p:pic>
-      <p:pic>
-        <p:nvPicPr>
-          <p:cNvPr id="7" name="图片 6">
-            <a:extLst>
-              <a:ext uri="{FF2B5EF4-FFF2-40B4-BE49-F238E27FC236}">
-                <a16:creationId xmlns:a16="http://schemas.microsoft.com/office/drawing/2014/main" id="{01749A8F-9FB8-C2C6-739C-2DE6D9681E14}"/>
-              </a:ext>
-            </a:extLst>
-          </p:cNvPr>
-          <p:cNvPicPr>
-            <a:picLocks noChangeAspect="1"/>
-          </p:cNvPicPr>
-          <p:nvPr/>
-        </p:nvPicPr>
-        <p:blipFill>
-          <a:blip r:embed="rId4">
-            <a:extLst>
-              <a:ext uri="{28A0092B-C50C-407E-A947-70E740481C1C}">
-                <a14:useLocalDpi xmlns:a14="http://schemas.microsoft.com/office/drawing/2010/main" val="0"/>
-              </a:ext>
-            </a:extLst>
-          </a:blip>
-          <a:stretch>
-            <a:fillRect/>
-          </a:stretch>
-        </p:blipFill>
-        <p:spPr>
-          <a:xfrm>
-            <a:off x="6096000" y="1759045"/>
-            <a:ext cx="2908544" cy="1108017"/>
-          </a:xfrm>
-          <a:prstGeom prst="rect">
-            <a:avLst/>
-          </a:prstGeom>
-        </p:spPr>
-      </p:pic>
+        </p:grpSpPr>
+        <p:pic>
+          <p:nvPicPr>
+            <p:cNvPr id="3" name="图片 2">
+              <a:extLst>
+                <a:ext uri="{FF2B5EF4-FFF2-40B4-BE49-F238E27FC236}">
+                  <a16:creationId xmlns:a16="http://schemas.microsoft.com/office/drawing/2014/main" id="{D661FA68-F68A-CD6C-5CD0-0C1B4FC5B951}"/>
+                </a:ext>
+              </a:extLst>
+            </p:cNvPr>
+            <p:cNvPicPr>
+              <a:picLocks noChangeAspect="1"/>
+            </p:cNvPicPr>
+            <p:nvPr/>
+          </p:nvPicPr>
+          <p:blipFill>
+            <a:blip r:embed="rId3">
+              <a:extLst>
+                <a:ext uri="{28A0092B-C50C-407E-A947-70E740481C1C}">
+                  <a14:useLocalDpi xmlns:a14="http://schemas.microsoft.com/office/drawing/2010/main" val="0"/>
+                </a:ext>
+              </a:extLst>
+            </a:blip>
+            <a:stretch>
+              <a:fillRect/>
+            </a:stretch>
+          </p:blipFill>
+          <p:spPr>
+            <a:xfrm>
+              <a:off x="3386667" y="1803400"/>
+              <a:ext cx="2413000" cy="965200"/>
+            </a:xfrm>
+            <a:prstGeom prst="rect">
+              <a:avLst/>
+            </a:prstGeom>
+          </p:spPr>
+        </p:pic>
+        <p:pic>
+          <p:nvPicPr>
+            <p:cNvPr id="5" name="图片 4">
+              <a:extLst>
+                <a:ext uri="{FF2B5EF4-FFF2-40B4-BE49-F238E27FC236}">
+                  <a16:creationId xmlns:a16="http://schemas.microsoft.com/office/drawing/2014/main" id="{8E8697D5-6364-4A0D-1BF9-3B79FB488905}"/>
+                </a:ext>
+              </a:extLst>
+            </p:cNvPr>
+            <p:cNvPicPr>
+              <a:picLocks noChangeAspect="1"/>
+            </p:cNvPicPr>
+            <p:nvPr/>
+          </p:nvPicPr>
+          <p:blipFill rotWithShape="1">
+            <a:blip r:embed="rId4">
+              <a:extLst>
+                <a:ext uri="{28A0092B-C50C-407E-A947-70E740481C1C}">
+                  <a14:useLocalDpi xmlns:a14="http://schemas.microsoft.com/office/drawing/2010/main" val="0"/>
+                </a:ext>
+              </a:extLst>
+            </a:blip>
+            <a:srcRect l="9718" t="33054" r="10701" b="37404"/>
+            <a:stretch/>
+          </p:blipFill>
+          <p:spPr>
+            <a:xfrm>
+              <a:off x="3723948" y="2988733"/>
+              <a:ext cx="4744103" cy="880534"/>
+            </a:xfrm>
+            <a:prstGeom prst="rect">
+              <a:avLst/>
+            </a:prstGeom>
+          </p:spPr>
+        </p:pic>
+        <p:pic>
+          <p:nvPicPr>
+            <p:cNvPr id="7" name="图片 6">
+              <a:extLst>
+                <a:ext uri="{FF2B5EF4-FFF2-40B4-BE49-F238E27FC236}">
+                  <a16:creationId xmlns:a16="http://schemas.microsoft.com/office/drawing/2014/main" id="{01749A8F-9FB8-C2C6-739C-2DE6D9681E14}"/>
+                </a:ext>
+              </a:extLst>
+            </p:cNvPr>
+            <p:cNvPicPr>
+              <a:picLocks noChangeAspect="1"/>
+            </p:cNvPicPr>
+            <p:nvPr/>
+          </p:nvPicPr>
+          <p:blipFill>
+            <a:blip r:embed="rId5">
+              <a:extLst>
+                <a:ext uri="{28A0092B-C50C-407E-A947-70E740481C1C}">
+                  <a14:useLocalDpi xmlns:a14="http://schemas.microsoft.com/office/drawing/2010/main" val="0"/>
+                </a:ext>
+              </a:extLst>
+            </a:blip>
+            <a:stretch>
+              <a:fillRect/>
+            </a:stretch>
+          </p:blipFill>
+          <p:spPr>
+            <a:xfrm>
+              <a:off x="6096000" y="1759045"/>
+              <a:ext cx="2908544" cy="1108017"/>
+            </a:xfrm>
+            <a:prstGeom prst="rect">
+              <a:avLst/>
+            </a:prstGeom>
+          </p:spPr>
+        </p:pic>
+        <p:pic>
+          <p:nvPicPr>
+            <p:cNvPr id="10" name="图片 9">
+              <a:extLst>
+                <a:ext uri="{FF2B5EF4-FFF2-40B4-BE49-F238E27FC236}">
+                  <a16:creationId xmlns:a16="http://schemas.microsoft.com/office/drawing/2014/main" id="{30610F9A-B1D0-D4F7-759C-09531520BC35}"/>
+                </a:ext>
+              </a:extLst>
+            </p:cNvPr>
+            <p:cNvPicPr>
+              <a:picLocks noChangeAspect="1"/>
+            </p:cNvPicPr>
+            <p:nvPr/>
+          </p:nvPicPr>
+          <p:blipFill>
+            <a:blip r:embed="rId6">
+              <a:extLst>
+                <a:ext uri="{28A0092B-C50C-407E-A947-70E740481C1C}">
+                  <a14:useLocalDpi xmlns:a14="http://schemas.microsoft.com/office/drawing/2010/main" val="0"/>
+                </a:ext>
+              </a:extLst>
+            </a:blip>
+            <a:stretch>
+              <a:fillRect/>
+            </a:stretch>
+          </p:blipFill>
+          <p:spPr>
+            <a:xfrm>
+              <a:off x="3366979" y="3990938"/>
+              <a:ext cx="5637565" cy="880534"/>
+            </a:xfrm>
+            <a:prstGeom prst="rect">
+              <a:avLst/>
+            </a:prstGeom>
+          </p:spPr>
+        </p:pic>
+      </p:grpSp>
     </p:spTree>
     <p:extLst>
       <p:ext uri="{BB962C8B-B14F-4D97-AF65-F5344CB8AC3E}">

--- a/figs/202211-research-report-figs.pptx
+++ b/figs/202211-research-report-figs.pptx
@@ -8,6 +8,8 @@
     <p:sldId id="258" r:id="rId2"/>
     <p:sldId id="256" r:id="rId3"/>
     <p:sldId id="257" r:id="rId4"/>
+    <p:sldId id="259" r:id="rId5"/>
+    <p:sldId id="260" r:id="rId6"/>
   </p:sldIdLst>
   <p:sldSz cx="12192000" cy="6858000"/>
   <p:notesSz cx="6858000" cy="9144000"/>
@@ -261,7 +263,7 @@
           <a:p>
             <a:fld id="{CB783243-8AE7-4B41-92B3-D2470D0FF610}" type="datetimeFigureOut">
               <a:rPr lang="zh-CN" altLang="en-US" smtClean="0"/>
-              <a:t>2022/10/27</a:t>
+              <a:t>2022/10/28</a:t>
             </a:fld>
             <a:endParaRPr lang="zh-CN" altLang="en-US"/>
           </a:p>
@@ -459,7 +461,7 @@
           <a:p>
             <a:fld id="{CB783243-8AE7-4B41-92B3-D2470D0FF610}" type="datetimeFigureOut">
               <a:rPr lang="zh-CN" altLang="en-US" smtClean="0"/>
-              <a:t>2022/10/27</a:t>
+              <a:t>2022/10/28</a:t>
             </a:fld>
             <a:endParaRPr lang="zh-CN" altLang="en-US"/>
           </a:p>
@@ -667,7 +669,7 @@
           <a:p>
             <a:fld id="{CB783243-8AE7-4B41-92B3-D2470D0FF610}" type="datetimeFigureOut">
               <a:rPr lang="zh-CN" altLang="en-US" smtClean="0"/>
-              <a:t>2022/10/27</a:t>
+              <a:t>2022/10/28</a:t>
             </a:fld>
             <a:endParaRPr lang="zh-CN" altLang="en-US"/>
           </a:p>
@@ -865,7 +867,7 @@
           <a:p>
             <a:fld id="{CB783243-8AE7-4B41-92B3-D2470D0FF610}" type="datetimeFigureOut">
               <a:rPr lang="zh-CN" altLang="en-US" smtClean="0"/>
-              <a:t>2022/10/27</a:t>
+              <a:t>2022/10/28</a:t>
             </a:fld>
             <a:endParaRPr lang="zh-CN" altLang="en-US"/>
           </a:p>
@@ -1140,7 +1142,7 @@
           <a:p>
             <a:fld id="{CB783243-8AE7-4B41-92B3-D2470D0FF610}" type="datetimeFigureOut">
               <a:rPr lang="zh-CN" altLang="en-US" smtClean="0"/>
-              <a:t>2022/10/27</a:t>
+              <a:t>2022/10/28</a:t>
             </a:fld>
             <a:endParaRPr lang="zh-CN" altLang="en-US"/>
           </a:p>
@@ -1405,7 +1407,7 @@
           <a:p>
             <a:fld id="{CB783243-8AE7-4B41-92B3-D2470D0FF610}" type="datetimeFigureOut">
               <a:rPr lang="zh-CN" altLang="en-US" smtClean="0"/>
-              <a:t>2022/10/27</a:t>
+              <a:t>2022/10/28</a:t>
             </a:fld>
             <a:endParaRPr lang="zh-CN" altLang="en-US"/>
           </a:p>
@@ -1817,7 +1819,7 @@
           <a:p>
             <a:fld id="{CB783243-8AE7-4B41-92B3-D2470D0FF610}" type="datetimeFigureOut">
               <a:rPr lang="zh-CN" altLang="en-US" smtClean="0"/>
-              <a:t>2022/10/27</a:t>
+              <a:t>2022/10/28</a:t>
             </a:fld>
             <a:endParaRPr lang="zh-CN" altLang="en-US"/>
           </a:p>
@@ -1958,7 +1960,7 @@
           <a:p>
             <a:fld id="{CB783243-8AE7-4B41-92B3-D2470D0FF610}" type="datetimeFigureOut">
               <a:rPr lang="zh-CN" altLang="en-US" smtClean="0"/>
-              <a:t>2022/10/27</a:t>
+              <a:t>2022/10/28</a:t>
             </a:fld>
             <a:endParaRPr lang="zh-CN" altLang="en-US"/>
           </a:p>
@@ -2071,7 +2073,7 @@
           <a:p>
             <a:fld id="{CB783243-8AE7-4B41-92B3-D2470D0FF610}" type="datetimeFigureOut">
               <a:rPr lang="zh-CN" altLang="en-US" smtClean="0"/>
-              <a:t>2022/10/27</a:t>
+              <a:t>2022/10/28</a:t>
             </a:fld>
             <a:endParaRPr lang="zh-CN" altLang="en-US"/>
           </a:p>
@@ -2382,7 +2384,7 @@
           <a:p>
             <a:fld id="{CB783243-8AE7-4B41-92B3-D2470D0FF610}" type="datetimeFigureOut">
               <a:rPr lang="zh-CN" altLang="en-US" smtClean="0"/>
-              <a:t>2022/10/27</a:t>
+              <a:t>2022/10/28</a:t>
             </a:fld>
             <a:endParaRPr lang="zh-CN" altLang="en-US"/>
           </a:p>
@@ -2670,7 +2672,7 @@
           <a:p>
             <a:fld id="{CB783243-8AE7-4B41-92B3-D2470D0FF610}" type="datetimeFigureOut">
               <a:rPr lang="zh-CN" altLang="en-US" smtClean="0"/>
-              <a:t>2022/10/27</a:t>
+              <a:t>2022/10/28</a:t>
             </a:fld>
             <a:endParaRPr lang="zh-CN" altLang="en-US"/>
           </a:p>
@@ -2911,7 +2913,7 @@
           <a:p>
             <a:fld id="{CB783243-8AE7-4B41-92B3-D2470D0FF610}" type="datetimeFigureOut">
               <a:rPr lang="zh-CN" altLang="en-US" smtClean="0"/>
-              <a:t>2022/10/27</a:t>
+              <a:t>2022/10/28</a:t>
             </a:fld>
             <a:endParaRPr lang="zh-CN" altLang="en-US"/>
           </a:p>
@@ -3916,6 +3918,973 @@
 </p:sld>
 </file>
 
+<file path=ppt/slides/slide4.xml><?xml version="1.0" encoding="utf-8"?>
+<p:sld xmlns:a="http://schemas.openxmlformats.org/drawingml/2006/main" xmlns:r="http://schemas.openxmlformats.org/officeDocument/2006/relationships" xmlns:p="http://schemas.openxmlformats.org/presentationml/2006/main">
+  <p:cSld>
+    <p:spTree>
+      <p:nvGrpSpPr>
+        <p:cNvPr id="1" name=""/>
+        <p:cNvGrpSpPr/>
+        <p:nvPr/>
+      </p:nvGrpSpPr>
+      <p:grpSpPr>
+        <a:xfrm>
+          <a:off x="0" y="0"/>
+          <a:ext cx="0" cy="0"/>
+          <a:chOff x="0" y="0"/>
+          <a:chExt cx="0" cy="0"/>
+        </a:xfrm>
+      </p:grpSpPr>
+      <p:grpSp>
+        <p:nvGrpSpPr>
+          <p:cNvPr id="13" name="组合 12">
+            <a:extLst>
+              <a:ext uri="{FF2B5EF4-FFF2-40B4-BE49-F238E27FC236}">
+                <a16:creationId xmlns:a16="http://schemas.microsoft.com/office/drawing/2014/main" id="{1BE3AA76-3417-5F3C-1825-DBA216861A6F}"/>
+              </a:ext>
+            </a:extLst>
+          </p:cNvPr>
+          <p:cNvGrpSpPr/>
+          <p:nvPr/>
+        </p:nvGrpSpPr>
+        <p:grpSpPr>
+          <a:xfrm>
+            <a:off x="2514600" y="1676399"/>
+            <a:ext cx="7332873" cy="2831532"/>
+            <a:chOff x="2514600" y="1676399"/>
+            <a:chExt cx="7332873" cy="2831532"/>
+          </a:xfrm>
+        </p:grpSpPr>
+        <p:pic>
+          <p:nvPicPr>
+            <p:cNvPr id="3" name="图片 2">
+              <a:extLst>
+                <a:ext uri="{FF2B5EF4-FFF2-40B4-BE49-F238E27FC236}">
+                  <a16:creationId xmlns:a16="http://schemas.microsoft.com/office/drawing/2014/main" id="{ADD134A9-637E-2D59-4008-6F32D3DCF1FE}"/>
+                </a:ext>
+              </a:extLst>
+            </p:cNvPr>
+            <p:cNvPicPr>
+              <a:picLocks noChangeAspect="1"/>
+            </p:cNvPicPr>
+            <p:nvPr/>
+          </p:nvPicPr>
+          <p:blipFill>
+            <a:blip r:embed="rId2">
+              <a:extLst>
+                <a:ext uri="{28A0092B-C50C-407E-A947-70E740481C1C}">
+                  <a14:useLocalDpi xmlns:a14="http://schemas.microsoft.com/office/drawing/2010/main" val="0"/>
+                </a:ext>
+              </a:extLst>
+            </a:blip>
+            <a:stretch>
+              <a:fillRect/>
+            </a:stretch>
+          </p:blipFill>
+          <p:spPr>
+            <a:xfrm>
+              <a:off x="2514600" y="1887326"/>
+              <a:ext cx="2066607" cy="2066607"/>
+            </a:xfrm>
+            <a:prstGeom prst="rect">
+              <a:avLst/>
+            </a:prstGeom>
+          </p:spPr>
+        </p:pic>
+        <p:pic>
+          <p:nvPicPr>
+            <p:cNvPr id="4" name="图片 3">
+              <a:extLst>
+                <a:ext uri="{FF2B5EF4-FFF2-40B4-BE49-F238E27FC236}">
+                  <a16:creationId xmlns:a16="http://schemas.microsoft.com/office/drawing/2014/main" id="{14CBA221-3F9F-899E-C3F5-598E0CE3A0B7}"/>
+                </a:ext>
+              </a:extLst>
+            </p:cNvPr>
+            <p:cNvPicPr>
+              <a:picLocks noChangeAspect="1"/>
+            </p:cNvPicPr>
+            <p:nvPr/>
+          </p:nvPicPr>
+          <p:blipFill>
+            <a:blip r:embed="rId2">
+              <a:extLst>
+                <a:ext uri="{28A0092B-C50C-407E-A947-70E740481C1C}">
+                  <a14:useLocalDpi xmlns:a14="http://schemas.microsoft.com/office/drawing/2010/main" val="0"/>
+                </a:ext>
+              </a:extLst>
+            </a:blip>
+            <a:stretch>
+              <a:fillRect/>
+            </a:stretch>
+          </p:blipFill>
+          <p:spPr>
+            <a:xfrm>
+              <a:off x="7780866" y="1887326"/>
+              <a:ext cx="2066607" cy="2066607"/>
+            </a:xfrm>
+            <a:prstGeom prst="rect">
+              <a:avLst/>
+            </a:prstGeom>
+          </p:spPr>
+        </p:pic>
+        <p:pic>
+          <p:nvPicPr>
+            <p:cNvPr id="7" name="图片 6">
+              <a:extLst>
+                <a:ext uri="{FF2B5EF4-FFF2-40B4-BE49-F238E27FC236}">
+                  <a16:creationId xmlns:a16="http://schemas.microsoft.com/office/drawing/2014/main" id="{6E749282-861A-6A6D-F564-1C29A5311106}"/>
+                </a:ext>
+              </a:extLst>
+            </p:cNvPr>
+            <p:cNvPicPr>
+              <a:picLocks noChangeAspect="1"/>
+            </p:cNvPicPr>
+            <p:nvPr/>
+          </p:nvPicPr>
+          <p:blipFill>
+            <a:blip r:embed="rId3">
+              <a:extLst>
+                <a:ext uri="{28A0092B-C50C-407E-A947-70E740481C1C}">
+                  <a14:useLocalDpi xmlns:a14="http://schemas.microsoft.com/office/drawing/2010/main" val="0"/>
+                </a:ext>
+              </a:extLst>
+            </a:blip>
+            <a:stretch>
+              <a:fillRect/>
+            </a:stretch>
+          </p:blipFill>
+          <p:spPr>
+            <a:xfrm>
+              <a:off x="4684586" y="2265842"/>
+              <a:ext cx="930804" cy="1309573"/>
+            </a:xfrm>
+            <a:prstGeom prst="rect">
+              <a:avLst/>
+            </a:prstGeom>
+          </p:spPr>
+        </p:pic>
+        <p:pic>
+          <p:nvPicPr>
+            <p:cNvPr id="9" name="图片 8">
+              <a:extLst>
+                <a:ext uri="{FF2B5EF4-FFF2-40B4-BE49-F238E27FC236}">
+                  <a16:creationId xmlns:a16="http://schemas.microsoft.com/office/drawing/2014/main" id="{1AC1F58A-CE44-8376-9375-A55531ECD371}"/>
+                </a:ext>
+              </a:extLst>
+            </p:cNvPr>
+            <p:cNvPicPr>
+              <a:picLocks noChangeAspect="1"/>
+            </p:cNvPicPr>
+            <p:nvPr/>
+          </p:nvPicPr>
+          <p:blipFill>
+            <a:blip r:embed="rId4">
+              <a:extLst>
+                <a:ext uri="{28A0092B-C50C-407E-A947-70E740481C1C}">
+                  <a14:useLocalDpi xmlns:a14="http://schemas.microsoft.com/office/drawing/2010/main" val="0"/>
+                </a:ext>
+              </a:extLst>
+            </a:blip>
+            <a:stretch>
+              <a:fillRect/>
+            </a:stretch>
+          </p:blipFill>
+          <p:spPr>
+            <a:xfrm>
+              <a:off x="6765400" y="2282131"/>
+              <a:ext cx="895350" cy="1276350"/>
+            </a:xfrm>
+            <a:prstGeom prst="rect">
+              <a:avLst/>
+            </a:prstGeom>
+          </p:spPr>
+        </p:pic>
+        <p:sp>
+          <p:nvSpPr>
+            <p:cNvPr id="10" name="箭头: 左右 9">
+              <a:extLst>
+                <a:ext uri="{FF2B5EF4-FFF2-40B4-BE49-F238E27FC236}">
+                  <a16:creationId xmlns:a16="http://schemas.microsoft.com/office/drawing/2014/main" id="{7F770AEE-9FAE-F4E2-88C3-3C3468EB0DD5}"/>
+                </a:ext>
+              </a:extLst>
+            </p:cNvPr>
+            <p:cNvSpPr/>
+            <p:nvPr/>
+          </p:nvSpPr>
+          <p:spPr>
+            <a:xfrm>
+              <a:off x="4334934" y="1676399"/>
+              <a:ext cx="3445932" cy="349165"/>
+            </a:xfrm>
+            <a:prstGeom prst="leftRightArrow">
+              <a:avLst/>
+            </a:prstGeom>
+            <a:noFill/>
+            <a:ln w="34925">
+              <a:prstDash val="dash"/>
+            </a:ln>
+          </p:spPr>
+          <p:style>
+            <a:lnRef idx="2">
+              <a:schemeClr val="accent1">
+                <a:shade val="50000"/>
+              </a:schemeClr>
+            </a:lnRef>
+            <a:fillRef idx="1">
+              <a:schemeClr val="accent1"/>
+            </a:fillRef>
+            <a:effectRef idx="0">
+              <a:schemeClr val="accent1"/>
+            </a:effectRef>
+            <a:fontRef idx="minor">
+              <a:schemeClr val="lt1"/>
+            </a:fontRef>
+          </p:style>
+          <p:txBody>
+            <a:bodyPr rtlCol="0" anchor="ctr"/>
+            <a:lstStyle/>
+            <a:p>
+              <a:pPr algn="ctr"/>
+              <a:endParaRPr lang="zh-CN" altLang="en-US" dirty="0"/>
+            </a:p>
+          </p:txBody>
+        </p:sp>
+        <mc:AlternateContent xmlns:mc="http://schemas.openxmlformats.org/markup-compatibility/2006">
+          <mc:Choice xmlns:a14="http://schemas.microsoft.com/office/drawing/2010/main" Requires="a14">
+            <p:sp>
+              <p:nvSpPr>
+                <p:cNvPr id="11" name="文本框 10">
+                  <a:extLst>
+                    <a:ext uri="{FF2B5EF4-FFF2-40B4-BE49-F238E27FC236}">
+                      <a16:creationId xmlns:a16="http://schemas.microsoft.com/office/drawing/2014/main" id="{07BF7D05-8DEA-C0E1-4956-91BD17FF49A3}"/>
+                    </a:ext>
+                  </a:extLst>
+                </p:cNvPr>
+                <p:cNvSpPr txBox="1"/>
+                <p:nvPr/>
+              </p:nvSpPr>
+              <p:spPr>
+                <a:xfrm>
+                  <a:off x="2856662" y="3953933"/>
+                  <a:ext cx="910506" cy="553998"/>
+                </a:xfrm>
+                <a:prstGeom prst="rect">
+                  <a:avLst/>
+                </a:prstGeom>
+                <a:noFill/>
+              </p:spPr>
+              <p:txBody>
+                <a:bodyPr wrap="none" lIns="0" tIns="0" rIns="0" bIns="0" rtlCol="0">
+                  <a:spAutoFit/>
+                </a:bodyPr>
+                <a:lstStyle/>
+                <a:p>
+                  <a14:m>
+                    <m:oMathPara xmlns:m="http://schemas.openxmlformats.org/officeDocument/2006/math">
+                      <m:oMathParaPr>
+                        <m:jc m:val="centerGroup"/>
+                      </m:oMathParaPr>
+                      <m:oMath xmlns:m="http://schemas.openxmlformats.org/officeDocument/2006/math">
+                        <m:r>
+                          <a:rPr lang="en-US" altLang="zh-CN" sz="3600" b="0" i="1" smtClean="0">
+                            <a:latin typeface="Cambria Math" panose="02040503050406030204" pitchFamily="18" charset="0"/>
+                          </a:rPr>
+                          <m:t>100</m:t>
+                        </m:r>
+                      </m:oMath>
+                    </m:oMathPara>
+                  </a14:m>
+                  <a:endParaRPr lang="zh-CN" altLang="en-US" sz="3600" i="1" dirty="0">
+                    <a:latin typeface="Lucida Sans" panose="020B0602030504020204" pitchFamily="34" charset="0"/>
+                  </a:endParaRPr>
+                </a:p>
+              </p:txBody>
+            </p:sp>
+          </mc:Choice>
+          <mc:Fallback>
+            <p:sp>
+              <p:nvSpPr>
+                <p:cNvPr id="11" name="文本框 10">
+                  <a:extLst>
+                    <a:ext uri="{FF2B5EF4-FFF2-40B4-BE49-F238E27FC236}">
+                      <a16:creationId xmlns:a16="http://schemas.microsoft.com/office/drawing/2014/main" id="{07BF7D05-8DEA-C0E1-4956-91BD17FF49A3}"/>
+                    </a:ext>
+                  </a:extLst>
+                </p:cNvPr>
+                <p:cNvSpPr txBox="1">
+                  <a:spLocks noRot="1" noChangeAspect="1" noMove="1" noResize="1" noEditPoints="1" noAdjustHandles="1" noChangeArrowheads="1" noChangeShapeType="1" noTextEdit="1"/>
+                </p:cNvSpPr>
+                <p:nvPr/>
+              </p:nvSpPr>
+              <p:spPr>
+                <a:xfrm>
+                  <a:off x="2856662" y="3953933"/>
+                  <a:ext cx="910506" cy="553998"/>
+                </a:xfrm>
+                <a:prstGeom prst="rect">
+                  <a:avLst/>
+                </a:prstGeom>
+                <a:blipFill>
+                  <a:blip r:embed="rId5"/>
+                  <a:stretch>
+                    <a:fillRect/>
+                  </a:stretch>
+                </a:blipFill>
+              </p:spPr>
+              <p:txBody>
+                <a:bodyPr/>
+                <a:lstStyle/>
+                <a:p>
+                  <a:r>
+                    <a:rPr lang="zh-CN" altLang="en-US">
+                      <a:noFill/>
+                    </a:rPr>
+                    <a:t> </a:t>
+                  </a:r>
+                </a:p>
+              </p:txBody>
+            </p:sp>
+          </mc:Fallback>
+        </mc:AlternateContent>
+        <mc:AlternateContent xmlns:mc="http://schemas.openxmlformats.org/markup-compatibility/2006">
+          <mc:Choice xmlns:a14="http://schemas.microsoft.com/office/drawing/2010/main" Requires="a14">
+            <p:sp>
+              <p:nvSpPr>
+                <p:cNvPr id="12" name="文本框 11">
+                  <a:extLst>
+                    <a:ext uri="{FF2B5EF4-FFF2-40B4-BE49-F238E27FC236}">
+                      <a16:creationId xmlns:a16="http://schemas.microsoft.com/office/drawing/2014/main" id="{B3E98227-D016-A585-732B-962AE64CEE48}"/>
+                    </a:ext>
+                  </a:extLst>
+                </p:cNvPr>
+                <p:cNvSpPr txBox="1"/>
+                <p:nvPr/>
+              </p:nvSpPr>
+              <p:spPr>
+                <a:xfrm>
+                  <a:off x="8358916" y="3953933"/>
+                  <a:ext cx="910506" cy="553998"/>
+                </a:xfrm>
+                <a:prstGeom prst="rect">
+                  <a:avLst/>
+                </a:prstGeom>
+                <a:noFill/>
+              </p:spPr>
+              <p:txBody>
+                <a:bodyPr wrap="none" lIns="0" tIns="0" rIns="0" bIns="0" rtlCol="0">
+                  <a:spAutoFit/>
+                </a:bodyPr>
+                <a:lstStyle/>
+                <a:p>
+                  <a14:m>
+                    <m:oMathPara xmlns:m="http://schemas.openxmlformats.org/officeDocument/2006/math">
+                      <m:oMathParaPr>
+                        <m:jc m:val="centerGroup"/>
+                      </m:oMathParaPr>
+                      <m:oMath xmlns:m="http://schemas.openxmlformats.org/officeDocument/2006/math">
+                        <m:r>
+                          <a:rPr lang="en-US" altLang="zh-CN" sz="3600" b="0" i="1" smtClean="0">
+                            <a:latin typeface="Cambria Math" panose="02040503050406030204" pitchFamily="18" charset="0"/>
+                          </a:rPr>
+                          <m:t>100</m:t>
+                        </m:r>
+                      </m:oMath>
+                    </m:oMathPara>
+                  </a14:m>
+                  <a:endParaRPr lang="zh-CN" altLang="en-US" sz="3600" i="1" dirty="0">
+                    <a:latin typeface="Lucida Sans" panose="020B0602030504020204" pitchFamily="34" charset="0"/>
+                  </a:endParaRPr>
+                </a:p>
+              </p:txBody>
+            </p:sp>
+          </mc:Choice>
+          <mc:Fallback>
+            <p:sp>
+              <p:nvSpPr>
+                <p:cNvPr id="12" name="文本框 11">
+                  <a:extLst>
+                    <a:ext uri="{FF2B5EF4-FFF2-40B4-BE49-F238E27FC236}">
+                      <a16:creationId xmlns:a16="http://schemas.microsoft.com/office/drawing/2014/main" id="{B3E98227-D016-A585-732B-962AE64CEE48}"/>
+                    </a:ext>
+                  </a:extLst>
+                </p:cNvPr>
+                <p:cNvSpPr txBox="1">
+                  <a:spLocks noRot="1" noChangeAspect="1" noMove="1" noResize="1" noEditPoints="1" noAdjustHandles="1" noChangeArrowheads="1" noChangeShapeType="1" noTextEdit="1"/>
+                </p:cNvSpPr>
+                <p:nvPr/>
+              </p:nvSpPr>
+              <p:spPr>
+                <a:xfrm>
+                  <a:off x="8358916" y="3953933"/>
+                  <a:ext cx="910506" cy="553998"/>
+                </a:xfrm>
+                <a:prstGeom prst="rect">
+                  <a:avLst/>
+                </a:prstGeom>
+                <a:blipFill>
+                  <a:blip r:embed="rId6"/>
+                  <a:stretch>
+                    <a:fillRect/>
+                  </a:stretch>
+                </a:blipFill>
+              </p:spPr>
+              <p:txBody>
+                <a:bodyPr/>
+                <a:lstStyle/>
+                <a:p>
+                  <a:r>
+                    <a:rPr lang="zh-CN" altLang="en-US">
+                      <a:noFill/>
+                    </a:rPr>
+                    <a:t> </a:t>
+                  </a:r>
+                </a:p>
+              </p:txBody>
+            </p:sp>
+          </mc:Fallback>
+        </mc:AlternateContent>
+      </p:grpSp>
+      <p:cxnSp>
+        <p:nvCxnSpPr>
+          <p:cNvPr id="15" name="连接符: 曲线 14">
+            <a:extLst>
+              <a:ext uri="{FF2B5EF4-FFF2-40B4-BE49-F238E27FC236}">
+                <a16:creationId xmlns:a16="http://schemas.microsoft.com/office/drawing/2014/main" id="{3614461F-51DE-80E5-3679-7065C36706DE}"/>
+              </a:ext>
+            </a:extLst>
+          </p:cNvPr>
+          <p:cNvCxnSpPr>
+            <a:stCxn id="7" idx="2"/>
+            <a:endCxn id="3" idx="2"/>
+          </p:cNvCxnSpPr>
+          <p:nvPr/>
+        </p:nvCxnSpPr>
+        <p:spPr>
+          <a:xfrm rot="5400000">
+            <a:off x="4159687" y="2963632"/>
+            <a:ext cx="378518" cy="1602084"/>
+          </a:xfrm>
+          <a:prstGeom prst="curvedConnector3">
+            <a:avLst>
+              <a:gd name="adj1" fmla="val 160393"/>
+            </a:avLst>
+          </a:prstGeom>
+          <a:ln w="38100">
+            <a:tailEnd type="triangle"/>
+          </a:ln>
+        </p:spPr>
+        <p:style>
+          <a:lnRef idx="1">
+            <a:schemeClr val="accent1"/>
+          </a:lnRef>
+          <a:fillRef idx="0">
+            <a:schemeClr val="accent1"/>
+          </a:fillRef>
+          <a:effectRef idx="0">
+            <a:schemeClr val="accent1"/>
+          </a:effectRef>
+          <a:fontRef idx="minor">
+            <a:schemeClr val="tx1"/>
+          </a:fontRef>
+        </p:style>
+      </p:cxnSp>
+      <p:cxnSp>
+        <p:nvCxnSpPr>
+          <p:cNvPr id="16" name="连接符: 曲线 15">
+            <a:extLst>
+              <a:ext uri="{FF2B5EF4-FFF2-40B4-BE49-F238E27FC236}">
+                <a16:creationId xmlns:a16="http://schemas.microsoft.com/office/drawing/2014/main" id="{9B2D6DC0-CD9D-696C-8AAD-1DE7CAA090D7}"/>
+              </a:ext>
+            </a:extLst>
+          </p:cNvPr>
+          <p:cNvCxnSpPr>
+            <a:cxnSpLocks/>
+            <a:stCxn id="9" idx="2"/>
+            <a:endCxn id="4" idx="2"/>
+          </p:cNvCxnSpPr>
+          <p:nvPr/>
+        </p:nvCxnSpPr>
+        <p:spPr>
+          <a:xfrm rot="16200000" flipH="1">
+            <a:off x="7815896" y="2955659"/>
+            <a:ext cx="395452" cy="1601095"/>
+          </a:xfrm>
+          <a:prstGeom prst="curvedConnector3">
+            <a:avLst>
+              <a:gd name="adj1" fmla="val 157807"/>
+            </a:avLst>
+          </a:prstGeom>
+          <a:ln w="38100">
+            <a:tailEnd type="triangle"/>
+          </a:ln>
+        </p:spPr>
+        <p:style>
+          <a:lnRef idx="1">
+            <a:schemeClr val="accent1"/>
+          </a:lnRef>
+          <a:fillRef idx="0">
+            <a:schemeClr val="accent1"/>
+          </a:fillRef>
+          <a:effectRef idx="0">
+            <a:schemeClr val="accent1"/>
+          </a:effectRef>
+          <a:fontRef idx="minor">
+            <a:schemeClr val="tx1"/>
+          </a:fontRef>
+        </p:style>
+      </p:cxnSp>
+    </p:spTree>
+    <p:extLst>
+      <p:ext uri="{BB962C8B-B14F-4D97-AF65-F5344CB8AC3E}">
+        <p14:creationId xmlns:p14="http://schemas.microsoft.com/office/powerpoint/2010/main" val="3213989656"/>
+      </p:ext>
+    </p:extLst>
+  </p:cSld>
+  <p:clrMapOvr>
+    <a:masterClrMapping/>
+  </p:clrMapOvr>
+</p:sld>
+</file>
+
+<file path=ppt/slides/slide5.xml><?xml version="1.0" encoding="utf-8"?>
+<p:sld xmlns:a="http://schemas.openxmlformats.org/drawingml/2006/main" xmlns:r="http://schemas.openxmlformats.org/officeDocument/2006/relationships" xmlns:p="http://schemas.openxmlformats.org/presentationml/2006/main">
+  <p:cSld>
+    <p:spTree>
+      <p:nvGrpSpPr>
+        <p:cNvPr id="1" name=""/>
+        <p:cNvGrpSpPr/>
+        <p:nvPr/>
+      </p:nvGrpSpPr>
+      <p:grpSpPr>
+        <a:xfrm>
+          <a:off x="0" y="0"/>
+          <a:ext cx="0" cy="0"/>
+          <a:chOff x="0" y="0"/>
+          <a:chExt cx="0" cy="0"/>
+        </a:xfrm>
+      </p:grpSpPr>
+      <p:grpSp>
+        <p:nvGrpSpPr>
+          <p:cNvPr id="13" name="组合 12">
+            <a:extLst>
+              <a:ext uri="{FF2B5EF4-FFF2-40B4-BE49-F238E27FC236}">
+                <a16:creationId xmlns:a16="http://schemas.microsoft.com/office/drawing/2014/main" id="{1BE3AA76-3417-5F3C-1825-DBA216861A6F}"/>
+              </a:ext>
+            </a:extLst>
+          </p:cNvPr>
+          <p:cNvGrpSpPr/>
+          <p:nvPr/>
+        </p:nvGrpSpPr>
+        <p:grpSpPr>
+          <a:xfrm>
+            <a:off x="2514600" y="1676399"/>
+            <a:ext cx="7332873" cy="2831532"/>
+            <a:chOff x="2514600" y="1676399"/>
+            <a:chExt cx="7332873" cy="2831532"/>
+          </a:xfrm>
+        </p:grpSpPr>
+        <p:pic>
+          <p:nvPicPr>
+            <p:cNvPr id="3" name="图片 2">
+              <a:extLst>
+                <a:ext uri="{FF2B5EF4-FFF2-40B4-BE49-F238E27FC236}">
+                  <a16:creationId xmlns:a16="http://schemas.microsoft.com/office/drawing/2014/main" id="{ADD134A9-637E-2D59-4008-6F32D3DCF1FE}"/>
+                </a:ext>
+              </a:extLst>
+            </p:cNvPr>
+            <p:cNvPicPr>
+              <a:picLocks noChangeAspect="1"/>
+            </p:cNvPicPr>
+            <p:nvPr/>
+          </p:nvPicPr>
+          <p:blipFill>
+            <a:blip r:embed="rId2">
+              <a:extLst>
+                <a:ext uri="{28A0092B-C50C-407E-A947-70E740481C1C}">
+                  <a14:useLocalDpi xmlns:a14="http://schemas.microsoft.com/office/drawing/2010/main" val="0"/>
+                </a:ext>
+              </a:extLst>
+            </a:blip>
+            <a:stretch>
+              <a:fillRect/>
+            </a:stretch>
+          </p:blipFill>
+          <p:spPr>
+            <a:xfrm>
+              <a:off x="2514600" y="1887326"/>
+              <a:ext cx="2066607" cy="2066607"/>
+            </a:xfrm>
+            <a:prstGeom prst="rect">
+              <a:avLst/>
+            </a:prstGeom>
+          </p:spPr>
+        </p:pic>
+        <p:pic>
+          <p:nvPicPr>
+            <p:cNvPr id="4" name="图片 3">
+              <a:extLst>
+                <a:ext uri="{FF2B5EF4-FFF2-40B4-BE49-F238E27FC236}">
+                  <a16:creationId xmlns:a16="http://schemas.microsoft.com/office/drawing/2014/main" id="{14CBA221-3F9F-899E-C3F5-598E0CE3A0B7}"/>
+                </a:ext>
+              </a:extLst>
+            </p:cNvPr>
+            <p:cNvPicPr>
+              <a:picLocks noChangeAspect="1"/>
+            </p:cNvPicPr>
+            <p:nvPr/>
+          </p:nvPicPr>
+          <p:blipFill>
+            <a:blip r:embed="rId2">
+              <a:extLst>
+                <a:ext uri="{28A0092B-C50C-407E-A947-70E740481C1C}">
+                  <a14:useLocalDpi xmlns:a14="http://schemas.microsoft.com/office/drawing/2010/main" val="0"/>
+                </a:ext>
+              </a:extLst>
+            </a:blip>
+            <a:stretch>
+              <a:fillRect/>
+            </a:stretch>
+          </p:blipFill>
+          <p:spPr>
+            <a:xfrm>
+              <a:off x="7780866" y="1887326"/>
+              <a:ext cx="2066607" cy="2066607"/>
+            </a:xfrm>
+            <a:prstGeom prst="rect">
+              <a:avLst/>
+            </a:prstGeom>
+          </p:spPr>
+        </p:pic>
+        <p:pic>
+          <p:nvPicPr>
+            <p:cNvPr id="7" name="图片 6">
+              <a:extLst>
+                <a:ext uri="{FF2B5EF4-FFF2-40B4-BE49-F238E27FC236}">
+                  <a16:creationId xmlns:a16="http://schemas.microsoft.com/office/drawing/2014/main" id="{6E749282-861A-6A6D-F564-1C29A5311106}"/>
+                </a:ext>
+              </a:extLst>
+            </p:cNvPr>
+            <p:cNvPicPr>
+              <a:picLocks noChangeAspect="1"/>
+            </p:cNvPicPr>
+            <p:nvPr/>
+          </p:nvPicPr>
+          <p:blipFill>
+            <a:blip r:embed="rId3">
+              <a:extLst>
+                <a:ext uri="{28A0092B-C50C-407E-A947-70E740481C1C}">
+                  <a14:useLocalDpi xmlns:a14="http://schemas.microsoft.com/office/drawing/2010/main" val="0"/>
+                </a:ext>
+              </a:extLst>
+            </a:blip>
+            <a:stretch>
+              <a:fillRect/>
+            </a:stretch>
+          </p:blipFill>
+          <p:spPr>
+            <a:xfrm>
+              <a:off x="4665134" y="2265842"/>
+              <a:ext cx="930804" cy="1309573"/>
+            </a:xfrm>
+            <a:prstGeom prst="rect">
+              <a:avLst/>
+            </a:prstGeom>
+          </p:spPr>
+        </p:pic>
+        <p:pic>
+          <p:nvPicPr>
+            <p:cNvPr id="9" name="图片 8">
+              <a:extLst>
+                <a:ext uri="{FF2B5EF4-FFF2-40B4-BE49-F238E27FC236}">
+                  <a16:creationId xmlns:a16="http://schemas.microsoft.com/office/drawing/2014/main" id="{1AC1F58A-CE44-8376-9375-A55531ECD371}"/>
+                </a:ext>
+              </a:extLst>
+            </p:cNvPr>
+            <p:cNvPicPr>
+              <a:picLocks noChangeAspect="1"/>
+            </p:cNvPicPr>
+            <p:nvPr/>
+          </p:nvPicPr>
+          <p:blipFill>
+            <a:blip r:embed="rId4">
+              <a:extLst>
+                <a:ext uri="{28A0092B-C50C-407E-A947-70E740481C1C}">
+                  <a14:useLocalDpi xmlns:a14="http://schemas.microsoft.com/office/drawing/2010/main" val="0"/>
+                </a:ext>
+              </a:extLst>
+            </a:blip>
+            <a:stretch>
+              <a:fillRect/>
+            </a:stretch>
+          </p:blipFill>
+          <p:spPr>
+            <a:xfrm>
+              <a:off x="6765400" y="2282131"/>
+              <a:ext cx="895350" cy="1276350"/>
+            </a:xfrm>
+            <a:prstGeom prst="rect">
+              <a:avLst/>
+            </a:prstGeom>
+          </p:spPr>
+        </p:pic>
+        <p:sp>
+          <p:nvSpPr>
+            <p:cNvPr id="10" name="箭头: 左右 9">
+              <a:extLst>
+                <a:ext uri="{FF2B5EF4-FFF2-40B4-BE49-F238E27FC236}">
+                  <a16:creationId xmlns:a16="http://schemas.microsoft.com/office/drawing/2014/main" id="{7F770AEE-9FAE-F4E2-88C3-3C3468EB0DD5}"/>
+                </a:ext>
+              </a:extLst>
+            </p:cNvPr>
+            <p:cNvSpPr/>
+            <p:nvPr/>
+          </p:nvSpPr>
+          <p:spPr>
+            <a:xfrm>
+              <a:off x="4334934" y="1676399"/>
+              <a:ext cx="3445932" cy="349165"/>
+            </a:xfrm>
+            <a:prstGeom prst="leftRightArrow">
+              <a:avLst/>
+            </a:prstGeom>
+            <a:noFill/>
+            <a:ln w="34925">
+              <a:prstDash val="dash"/>
+            </a:ln>
+          </p:spPr>
+          <p:style>
+            <a:lnRef idx="2">
+              <a:schemeClr val="accent1">
+                <a:shade val="50000"/>
+              </a:schemeClr>
+            </a:lnRef>
+            <a:fillRef idx="1">
+              <a:schemeClr val="accent1"/>
+            </a:fillRef>
+            <a:effectRef idx="0">
+              <a:schemeClr val="accent1"/>
+            </a:effectRef>
+            <a:fontRef idx="minor">
+              <a:schemeClr val="lt1"/>
+            </a:fontRef>
+          </p:style>
+          <p:txBody>
+            <a:bodyPr rtlCol="0" anchor="ctr"/>
+            <a:lstStyle/>
+            <a:p>
+              <a:pPr algn="ctr"/>
+              <a:endParaRPr lang="zh-CN" altLang="en-US" dirty="0"/>
+            </a:p>
+          </p:txBody>
+        </p:sp>
+        <mc:AlternateContent xmlns:mc="http://schemas.openxmlformats.org/markup-compatibility/2006">
+          <mc:Choice xmlns:a14="http://schemas.microsoft.com/office/drawing/2010/main" Requires="a14">
+            <p:sp>
+              <p:nvSpPr>
+                <p:cNvPr id="11" name="文本框 10">
+                  <a:extLst>
+                    <a:ext uri="{FF2B5EF4-FFF2-40B4-BE49-F238E27FC236}">
+                      <a16:creationId xmlns:a16="http://schemas.microsoft.com/office/drawing/2014/main" id="{07BF7D05-8DEA-C0E1-4956-91BD17FF49A3}"/>
+                    </a:ext>
+                  </a:extLst>
+                </p:cNvPr>
+                <p:cNvSpPr txBox="1"/>
+                <p:nvPr/>
+              </p:nvSpPr>
+              <p:spPr>
+                <a:xfrm>
+                  <a:off x="2856662" y="3953933"/>
+                  <a:ext cx="910506" cy="553998"/>
+                </a:xfrm>
+                <a:prstGeom prst="rect">
+                  <a:avLst/>
+                </a:prstGeom>
+                <a:noFill/>
+              </p:spPr>
+              <p:txBody>
+                <a:bodyPr wrap="none" lIns="0" tIns="0" rIns="0" bIns="0" rtlCol="0">
+                  <a:spAutoFit/>
+                </a:bodyPr>
+                <a:lstStyle/>
+                <a:p>
+                  <a14:m>
+                    <m:oMathPara xmlns:m="http://schemas.openxmlformats.org/officeDocument/2006/math">
+                      <m:oMathParaPr>
+                        <m:jc m:val="centerGroup"/>
+                      </m:oMathParaPr>
+                      <m:oMath xmlns:m="http://schemas.openxmlformats.org/officeDocument/2006/math">
+                        <m:r>
+                          <a:rPr lang="en-US" altLang="zh-CN" sz="3600" b="0" i="1" smtClean="0">
+                            <a:latin typeface="Cambria Math" panose="02040503050406030204" pitchFamily="18" charset="0"/>
+                          </a:rPr>
+                          <m:t>100</m:t>
+                        </m:r>
+                      </m:oMath>
+                    </m:oMathPara>
+                  </a14:m>
+                  <a:endParaRPr lang="zh-CN" altLang="en-US" sz="3600" i="1" dirty="0">
+                    <a:latin typeface="Lucida Sans" panose="020B0602030504020204" pitchFamily="34" charset="0"/>
+                  </a:endParaRPr>
+                </a:p>
+              </p:txBody>
+            </p:sp>
+          </mc:Choice>
+          <mc:Fallback>
+            <p:sp>
+              <p:nvSpPr>
+                <p:cNvPr id="11" name="文本框 10">
+                  <a:extLst>
+                    <a:ext uri="{FF2B5EF4-FFF2-40B4-BE49-F238E27FC236}">
+                      <a16:creationId xmlns:a16="http://schemas.microsoft.com/office/drawing/2014/main" id="{07BF7D05-8DEA-C0E1-4956-91BD17FF49A3}"/>
+                    </a:ext>
+                  </a:extLst>
+                </p:cNvPr>
+                <p:cNvSpPr txBox="1">
+                  <a:spLocks noRot="1" noChangeAspect="1" noMove="1" noResize="1" noEditPoints="1" noAdjustHandles="1" noChangeArrowheads="1" noChangeShapeType="1" noTextEdit="1"/>
+                </p:cNvSpPr>
+                <p:nvPr/>
+              </p:nvSpPr>
+              <p:spPr>
+                <a:xfrm>
+                  <a:off x="2856662" y="3953933"/>
+                  <a:ext cx="910506" cy="553998"/>
+                </a:xfrm>
+                <a:prstGeom prst="rect">
+                  <a:avLst/>
+                </a:prstGeom>
+                <a:blipFill>
+                  <a:blip r:embed="rId5"/>
+                  <a:stretch>
+                    <a:fillRect/>
+                  </a:stretch>
+                </a:blipFill>
+              </p:spPr>
+              <p:txBody>
+                <a:bodyPr/>
+                <a:lstStyle/>
+                <a:p>
+                  <a:r>
+                    <a:rPr lang="zh-CN" altLang="en-US">
+                      <a:noFill/>
+                    </a:rPr>
+                    <a:t> </a:t>
+                  </a:r>
+                </a:p>
+              </p:txBody>
+            </p:sp>
+          </mc:Fallback>
+        </mc:AlternateContent>
+        <mc:AlternateContent xmlns:mc="http://schemas.openxmlformats.org/markup-compatibility/2006">
+          <mc:Choice xmlns:a14="http://schemas.microsoft.com/office/drawing/2010/main" Requires="a14">
+            <p:sp>
+              <p:nvSpPr>
+                <p:cNvPr id="12" name="文本框 11">
+                  <a:extLst>
+                    <a:ext uri="{FF2B5EF4-FFF2-40B4-BE49-F238E27FC236}">
+                      <a16:creationId xmlns:a16="http://schemas.microsoft.com/office/drawing/2014/main" id="{B3E98227-D016-A585-732B-962AE64CEE48}"/>
+                    </a:ext>
+                  </a:extLst>
+                </p:cNvPr>
+                <p:cNvSpPr txBox="1"/>
+                <p:nvPr/>
+              </p:nvSpPr>
+              <p:spPr>
+                <a:xfrm>
+                  <a:off x="8358916" y="3953933"/>
+                  <a:ext cx="910506" cy="553998"/>
+                </a:xfrm>
+                <a:prstGeom prst="rect">
+                  <a:avLst/>
+                </a:prstGeom>
+                <a:noFill/>
+              </p:spPr>
+              <p:txBody>
+                <a:bodyPr wrap="none" lIns="0" tIns="0" rIns="0" bIns="0" rtlCol="0">
+                  <a:spAutoFit/>
+                </a:bodyPr>
+                <a:lstStyle/>
+                <a:p>
+                  <a14:m>
+                    <m:oMathPara xmlns:m="http://schemas.openxmlformats.org/officeDocument/2006/math">
+                      <m:oMathParaPr>
+                        <m:jc m:val="centerGroup"/>
+                      </m:oMathParaPr>
+                      <m:oMath xmlns:m="http://schemas.openxmlformats.org/officeDocument/2006/math">
+                        <m:r>
+                          <a:rPr lang="en-US" altLang="zh-CN" sz="3600" b="0" i="1" smtClean="0">
+                            <a:latin typeface="Cambria Math" panose="02040503050406030204" pitchFamily="18" charset="0"/>
+                          </a:rPr>
+                          <m:t>100</m:t>
+                        </m:r>
+                      </m:oMath>
+                    </m:oMathPara>
+                  </a14:m>
+                  <a:endParaRPr lang="zh-CN" altLang="en-US" sz="3600" i="1" dirty="0">
+                    <a:latin typeface="Lucida Sans" panose="020B0602030504020204" pitchFamily="34" charset="0"/>
+                  </a:endParaRPr>
+                </a:p>
+              </p:txBody>
+            </p:sp>
+          </mc:Choice>
+          <mc:Fallback>
+            <p:sp>
+              <p:nvSpPr>
+                <p:cNvPr id="12" name="文本框 11">
+                  <a:extLst>
+                    <a:ext uri="{FF2B5EF4-FFF2-40B4-BE49-F238E27FC236}">
+                      <a16:creationId xmlns:a16="http://schemas.microsoft.com/office/drawing/2014/main" id="{B3E98227-D016-A585-732B-962AE64CEE48}"/>
+                    </a:ext>
+                  </a:extLst>
+                </p:cNvPr>
+                <p:cNvSpPr txBox="1">
+                  <a:spLocks noRot="1" noChangeAspect="1" noMove="1" noResize="1" noEditPoints="1" noAdjustHandles="1" noChangeArrowheads="1" noChangeShapeType="1" noTextEdit="1"/>
+                </p:cNvSpPr>
+                <p:nvPr/>
+              </p:nvSpPr>
+              <p:spPr>
+                <a:xfrm>
+                  <a:off x="8358916" y="3953933"/>
+                  <a:ext cx="910506" cy="553998"/>
+                </a:xfrm>
+                <a:prstGeom prst="rect">
+                  <a:avLst/>
+                </a:prstGeom>
+                <a:blipFill>
+                  <a:blip r:embed="rId6"/>
+                  <a:stretch>
+                    <a:fillRect/>
+                  </a:stretch>
+                </a:blipFill>
+              </p:spPr>
+              <p:txBody>
+                <a:bodyPr/>
+                <a:lstStyle/>
+                <a:p>
+                  <a:r>
+                    <a:rPr lang="zh-CN" altLang="en-US">
+                      <a:noFill/>
+                    </a:rPr>
+                    <a:t> </a:t>
+                  </a:r>
+                </a:p>
+              </p:txBody>
+            </p:sp>
+          </mc:Fallback>
+        </mc:AlternateContent>
+      </p:grpSp>
+    </p:spTree>
+    <p:extLst>
+      <p:ext uri="{BB962C8B-B14F-4D97-AF65-F5344CB8AC3E}">
+        <p14:creationId xmlns:p14="http://schemas.microsoft.com/office/powerpoint/2010/main" val="3064971045"/>
+      </p:ext>
+    </p:extLst>
+  </p:cSld>
+  <p:clrMapOvr>
+    <a:masterClrMapping/>
+  </p:clrMapOvr>
+</p:sld>
+</file>
+
 <file path=ppt/theme/theme1.xml><?xml version="1.0" encoding="utf-8"?>
 <a:theme xmlns:a="http://schemas.openxmlformats.org/drawingml/2006/main" name="Office 主题​​">
   <a:themeElements>

--- a/figs/202211-research-report-figs.pptx
+++ b/figs/202211-research-report-figs.pptx
@@ -10,6 +10,7 @@
     <p:sldId id="257" r:id="rId4"/>
     <p:sldId id="259" r:id="rId5"/>
     <p:sldId id="260" r:id="rId6"/>
+    <p:sldId id="261" r:id="rId7"/>
   </p:sldIdLst>
   <p:sldSz cx="12192000" cy="6858000"/>
   <p:notesSz cx="6858000" cy="9144000"/>
@@ -263,7 +264,7 @@
           <a:p>
             <a:fld id="{CB783243-8AE7-4B41-92B3-D2470D0FF610}" type="datetimeFigureOut">
               <a:rPr lang="zh-CN" altLang="en-US" smtClean="0"/>
-              <a:t>2022/10/28</a:t>
+              <a:t>2022/10/30</a:t>
             </a:fld>
             <a:endParaRPr lang="zh-CN" altLang="en-US"/>
           </a:p>
@@ -461,7 +462,7 @@
           <a:p>
             <a:fld id="{CB783243-8AE7-4B41-92B3-D2470D0FF610}" type="datetimeFigureOut">
               <a:rPr lang="zh-CN" altLang="en-US" smtClean="0"/>
-              <a:t>2022/10/28</a:t>
+              <a:t>2022/10/30</a:t>
             </a:fld>
             <a:endParaRPr lang="zh-CN" altLang="en-US"/>
           </a:p>
@@ -669,7 +670,7 @@
           <a:p>
             <a:fld id="{CB783243-8AE7-4B41-92B3-D2470D0FF610}" type="datetimeFigureOut">
               <a:rPr lang="zh-CN" altLang="en-US" smtClean="0"/>
-              <a:t>2022/10/28</a:t>
+              <a:t>2022/10/30</a:t>
             </a:fld>
             <a:endParaRPr lang="zh-CN" altLang="en-US"/>
           </a:p>
@@ -867,7 +868,7 @@
           <a:p>
             <a:fld id="{CB783243-8AE7-4B41-92B3-D2470D0FF610}" type="datetimeFigureOut">
               <a:rPr lang="zh-CN" altLang="en-US" smtClean="0"/>
-              <a:t>2022/10/28</a:t>
+              <a:t>2022/10/30</a:t>
             </a:fld>
             <a:endParaRPr lang="zh-CN" altLang="en-US"/>
           </a:p>
@@ -1142,7 +1143,7 @@
           <a:p>
             <a:fld id="{CB783243-8AE7-4B41-92B3-D2470D0FF610}" type="datetimeFigureOut">
               <a:rPr lang="zh-CN" altLang="en-US" smtClean="0"/>
-              <a:t>2022/10/28</a:t>
+              <a:t>2022/10/30</a:t>
             </a:fld>
             <a:endParaRPr lang="zh-CN" altLang="en-US"/>
           </a:p>
@@ -1407,7 +1408,7 @@
           <a:p>
             <a:fld id="{CB783243-8AE7-4B41-92B3-D2470D0FF610}" type="datetimeFigureOut">
               <a:rPr lang="zh-CN" altLang="en-US" smtClean="0"/>
-              <a:t>2022/10/28</a:t>
+              <a:t>2022/10/30</a:t>
             </a:fld>
             <a:endParaRPr lang="zh-CN" altLang="en-US"/>
           </a:p>
@@ -1819,7 +1820,7 @@
           <a:p>
             <a:fld id="{CB783243-8AE7-4B41-92B3-D2470D0FF610}" type="datetimeFigureOut">
               <a:rPr lang="zh-CN" altLang="en-US" smtClean="0"/>
-              <a:t>2022/10/28</a:t>
+              <a:t>2022/10/30</a:t>
             </a:fld>
             <a:endParaRPr lang="zh-CN" altLang="en-US"/>
           </a:p>
@@ -1960,7 +1961,7 @@
           <a:p>
             <a:fld id="{CB783243-8AE7-4B41-92B3-D2470D0FF610}" type="datetimeFigureOut">
               <a:rPr lang="zh-CN" altLang="en-US" smtClean="0"/>
-              <a:t>2022/10/28</a:t>
+              <a:t>2022/10/30</a:t>
             </a:fld>
             <a:endParaRPr lang="zh-CN" altLang="en-US"/>
           </a:p>
@@ -2073,7 +2074,7 @@
           <a:p>
             <a:fld id="{CB783243-8AE7-4B41-92B3-D2470D0FF610}" type="datetimeFigureOut">
               <a:rPr lang="zh-CN" altLang="en-US" smtClean="0"/>
-              <a:t>2022/10/28</a:t>
+              <a:t>2022/10/30</a:t>
             </a:fld>
             <a:endParaRPr lang="zh-CN" altLang="en-US"/>
           </a:p>
@@ -2384,7 +2385,7 @@
           <a:p>
             <a:fld id="{CB783243-8AE7-4B41-92B3-D2470D0FF610}" type="datetimeFigureOut">
               <a:rPr lang="zh-CN" altLang="en-US" smtClean="0"/>
-              <a:t>2022/10/28</a:t>
+              <a:t>2022/10/30</a:t>
             </a:fld>
             <a:endParaRPr lang="zh-CN" altLang="en-US"/>
           </a:p>
@@ -2672,7 +2673,7 @@
           <a:p>
             <a:fld id="{CB783243-8AE7-4B41-92B3-D2470D0FF610}" type="datetimeFigureOut">
               <a:rPr lang="zh-CN" altLang="en-US" smtClean="0"/>
-              <a:t>2022/10/28</a:t>
+              <a:t>2022/10/30</a:t>
             </a:fld>
             <a:endParaRPr lang="zh-CN" altLang="en-US"/>
           </a:p>
@@ -2913,7 +2914,7 @@
           <a:p>
             <a:fld id="{CB783243-8AE7-4B41-92B3-D2470D0FF610}" type="datetimeFigureOut">
               <a:rPr lang="zh-CN" altLang="en-US" smtClean="0"/>
-              <a:t>2022/10/28</a:t>
+              <a:t>2022/10/30</a:t>
             </a:fld>
             <a:endParaRPr lang="zh-CN" altLang="en-US"/>
           </a:p>
@@ -4149,8 +4150,8 @@
             </a:p>
           </p:txBody>
         </p:sp>
-        <mc:AlternateContent xmlns:mc="http://schemas.openxmlformats.org/markup-compatibility/2006">
-          <mc:Choice xmlns:a14="http://schemas.microsoft.com/office/drawing/2010/main" Requires="a14">
+        <mc:AlternateContent xmlns:mc="http://schemas.openxmlformats.org/markup-compatibility/2006" xmlns:a14="http://schemas.microsoft.com/office/drawing/2010/main">
+          <mc:Choice Requires="a14">
             <p:sp>
               <p:nvSpPr>
                 <p:cNvPr id="11" name="文本框 10">
@@ -4179,6 +4180,7 @@
                 </a:bodyPr>
                 <a:lstStyle/>
                 <a:p>
+                  <a:pPr/>
                   <a14:m>
                     <m:oMathPara xmlns:m="http://schemas.openxmlformats.org/officeDocument/2006/math">
                       <m:oMathParaPr>
@@ -4201,7 +4203,7 @@
               </p:txBody>
             </p:sp>
           </mc:Choice>
-          <mc:Fallback>
+          <mc:Fallback xmlns="">
             <p:sp>
               <p:nvSpPr>
                 <p:cNvPr id="11" name="文本框 10">
@@ -4246,8 +4248,8 @@
             </p:sp>
           </mc:Fallback>
         </mc:AlternateContent>
-        <mc:AlternateContent xmlns:mc="http://schemas.openxmlformats.org/markup-compatibility/2006">
-          <mc:Choice xmlns:a14="http://schemas.microsoft.com/office/drawing/2010/main" Requires="a14">
+        <mc:AlternateContent xmlns:mc="http://schemas.openxmlformats.org/markup-compatibility/2006" xmlns:a14="http://schemas.microsoft.com/office/drawing/2010/main">
+          <mc:Choice Requires="a14">
             <p:sp>
               <p:nvSpPr>
                 <p:cNvPr id="12" name="文本框 11">
@@ -4276,6 +4278,7 @@
                 </a:bodyPr>
                 <a:lstStyle/>
                 <a:p>
+                  <a:pPr/>
                   <a14:m>
                     <m:oMathPara xmlns:m="http://schemas.openxmlformats.org/officeDocument/2006/math">
                       <m:oMathParaPr>
@@ -4298,7 +4301,7 @@
               </p:txBody>
             </p:sp>
           </mc:Choice>
-          <mc:Fallback>
+          <mc:Fallback xmlns="">
             <p:sp>
               <p:nvSpPr>
                 <p:cNvPr id="12" name="文本框 11">
@@ -4677,8 +4680,8 @@
             </a:p>
           </p:txBody>
         </p:sp>
-        <mc:AlternateContent xmlns:mc="http://schemas.openxmlformats.org/markup-compatibility/2006">
-          <mc:Choice xmlns:a14="http://schemas.microsoft.com/office/drawing/2010/main" Requires="a14">
+        <mc:AlternateContent xmlns:mc="http://schemas.openxmlformats.org/markup-compatibility/2006" xmlns:a14="http://schemas.microsoft.com/office/drawing/2010/main">
+          <mc:Choice Requires="a14">
             <p:sp>
               <p:nvSpPr>
                 <p:cNvPr id="11" name="文本框 10">
@@ -4707,6 +4710,7 @@
                 </a:bodyPr>
                 <a:lstStyle/>
                 <a:p>
+                  <a:pPr/>
                   <a14:m>
                     <m:oMathPara xmlns:m="http://schemas.openxmlformats.org/officeDocument/2006/math">
                       <m:oMathParaPr>
@@ -4729,7 +4733,7 @@
               </p:txBody>
             </p:sp>
           </mc:Choice>
-          <mc:Fallback>
+          <mc:Fallback xmlns="">
             <p:sp>
               <p:nvSpPr>
                 <p:cNvPr id="11" name="文本框 10">
@@ -4774,8 +4778,8 @@
             </p:sp>
           </mc:Fallback>
         </mc:AlternateContent>
-        <mc:AlternateContent xmlns:mc="http://schemas.openxmlformats.org/markup-compatibility/2006">
-          <mc:Choice xmlns:a14="http://schemas.microsoft.com/office/drawing/2010/main" Requires="a14">
+        <mc:AlternateContent xmlns:mc="http://schemas.openxmlformats.org/markup-compatibility/2006" xmlns:a14="http://schemas.microsoft.com/office/drawing/2010/main">
+          <mc:Choice Requires="a14">
             <p:sp>
               <p:nvSpPr>
                 <p:cNvPr id="12" name="文本框 11">
@@ -4804,6 +4808,7 @@
                 </a:bodyPr>
                 <a:lstStyle/>
                 <a:p>
+                  <a:pPr/>
                   <a14:m>
                     <m:oMathPara xmlns:m="http://schemas.openxmlformats.org/officeDocument/2006/math">
                       <m:oMathParaPr>
@@ -4826,7 +4831,7 @@
               </p:txBody>
             </p:sp>
           </mc:Choice>
-          <mc:Fallback>
+          <mc:Fallback xmlns="">
             <p:sp>
               <p:nvSpPr>
                 <p:cNvPr id="12" name="文本框 11">
@@ -4876,6 +4881,165 @@
     <p:extLst>
       <p:ext uri="{BB962C8B-B14F-4D97-AF65-F5344CB8AC3E}">
         <p14:creationId xmlns:p14="http://schemas.microsoft.com/office/powerpoint/2010/main" val="3064971045"/>
+      </p:ext>
+    </p:extLst>
+  </p:cSld>
+  <p:clrMapOvr>
+    <a:masterClrMapping/>
+  </p:clrMapOvr>
+</p:sld>
+</file>
+
+<file path=ppt/slides/slide6.xml><?xml version="1.0" encoding="utf-8"?>
+<p:sld xmlns:a="http://schemas.openxmlformats.org/drawingml/2006/main" xmlns:r="http://schemas.openxmlformats.org/officeDocument/2006/relationships" xmlns:p="http://schemas.openxmlformats.org/presentationml/2006/main">
+  <p:cSld>
+    <p:spTree>
+      <p:nvGrpSpPr>
+        <p:cNvPr id="1" name=""/>
+        <p:cNvGrpSpPr/>
+        <p:nvPr/>
+      </p:nvGrpSpPr>
+      <p:grpSpPr>
+        <a:xfrm>
+          <a:off x="0" y="0"/>
+          <a:ext cx="0" cy="0"/>
+          <a:chOff x="0" y="0"/>
+          <a:chExt cx="0" cy="0"/>
+        </a:xfrm>
+      </p:grpSpPr>
+      <p:grpSp>
+        <p:nvGrpSpPr>
+          <p:cNvPr id="8" name="组合 7">
+            <a:extLst>
+              <a:ext uri="{FF2B5EF4-FFF2-40B4-BE49-F238E27FC236}">
+                <a16:creationId xmlns:a16="http://schemas.microsoft.com/office/drawing/2014/main" id="{DA2FC442-7107-4EFB-0B7B-BE4855185B8D}"/>
+              </a:ext>
+            </a:extLst>
+          </p:cNvPr>
+          <p:cNvGrpSpPr/>
+          <p:nvPr/>
+        </p:nvGrpSpPr>
+        <p:grpSpPr>
+          <a:xfrm>
+            <a:off x="4082719" y="2192375"/>
+            <a:ext cx="4618004" cy="2517862"/>
+            <a:chOff x="4082719" y="2192375"/>
+            <a:chExt cx="4618004" cy="2517862"/>
+          </a:xfrm>
+        </p:grpSpPr>
+        <p:pic>
+          <p:nvPicPr>
+            <p:cNvPr id="3" name="图片 2">
+              <a:extLst>
+                <a:ext uri="{FF2B5EF4-FFF2-40B4-BE49-F238E27FC236}">
+                  <a16:creationId xmlns:a16="http://schemas.microsoft.com/office/drawing/2014/main" id="{48B0354B-1505-C8A9-2EE4-D930D2FB24A4}"/>
+                </a:ext>
+              </a:extLst>
+            </p:cNvPr>
+            <p:cNvPicPr>
+              <a:picLocks noChangeAspect="1"/>
+            </p:cNvPicPr>
+            <p:nvPr/>
+          </p:nvPicPr>
+          <p:blipFill>
+            <a:blip r:embed="rId2">
+              <a:extLst>
+                <a:ext uri="{28A0092B-C50C-407E-A947-70E740481C1C}">
+                  <a14:useLocalDpi xmlns:a14="http://schemas.microsoft.com/office/drawing/2010/main" val="0"/>
+                </a:ext>
+              </a:extLst>
+            </a:blip>
+            <a:stretch>
+              <a:fillRect/>
+            </a:stretch>
+          </p:blipFill>
+          <p:spPr>
+            <a:xfrm>
+              <a:off x="4082719" y="2192375"/>
+              <a:ext cx="1909894" cy="1280584"/>
+            </a:xfrm>
+            <a:prstGeom prst="rect">
+              <a:avLst/>
+            </a:prstGeom>
+          </p:spPr>
+        </p:pic>
+        <p:pic>
+          <p:nvPicPr>
+            <p:cNvPr id="5" name="图片 4">
+              <a:extLst>
+                <a:ext uri="{FF2B5EF4-FFF2-40B4-BE49-F238E27FC236}">
+                  <a16:creationId xmlns:a16="http://schemas.microsoft.com/office/drawing/2014/main" id="{72042404-9DE1-E492-1609-D67DA75FB72D}"/>
+                </a:ext>
+              </a:extLst>
+            </p:cNvPr>
+            <p:cNvPicPr>
+              <a:picLocks noChangeAspect="1"/>
+            </p:cNvPicPr>
+            <p:nvPr/>
+          </p:nvPicPr>
+          <p:blipFill>
+            <a:blip r:embed="rId3">
+              <a:extLst>
+                <a:ext uri="{28A0092B-C50C-407E-A947-70E740481C1C}">
+                  <a14:useLocalDpi xmlns:a14="http://schemas.microsoft.com/office/drawing/2010/main" val="0"/>
+                </a:ext>
+              </a:extLst>
+            </a:blip>
+            <a:stretch>
+              <a:fillRect/>
+            </a:stretch>
+          </p:blipFill>
+          <p:spPr>
+            <a:xfrm>
+              <a:off x="6199389" y="2453618"/>
+              <a:ext cx="2501334" cy="758098"/>
+            </a:xfrm>
+            <a:prstGeom prst="rect">
+              <a:avLst/>
+            </a:prstGeom>
+          </p:spPr>
+        </p:pic>
+        <p:pic>
+          <p:nvPicPr>
+            <p:cNvPr id="7" name="图片 6">
+              <a:extLst>
+                <a:ext uri="{FF2B5EF4-FFF2-40B4-BE49-F238E27FC236}">
+                  <a16:creationId xmlns:a16="http://schemas.microsoft.com/office/drawing/2014/main" id="{C32A00CA-0D30-FF0F-FA75-BDF660027577}"/>
+                </a:ext>
+              </a:extLst>
+            </p:cNvPr>
+            <p:cNvPicPr>
+              <a:picLocks noChangeAspect="1"/>
+            </p:cNvPicPr>
+            <p:nvPr/>
+          </p:nvPicPr>
+          <p:blipFill>
+            <a:blip r:embed="rId4">
+              <a:extLst>
+                <a:ext uri="{28A0092B-C50C-407E-A947-70E740481C1C}">
+                  <a14:useLocalDpi xmlns:a14="http://schemas.microsoft.com/office/drawing/2010/main" val="0"/>
+                </a:ext>
+              </a:extLst>
+            </a:blip>
+            <a:stretch>
+              <a:fillRect/>
+            </a:stretch>
+          </p:blipFill>
+          <p:spPr>
+            <a:xfrm>
+              <a:off x="4349988" y="3547535"/>
+              <a:ext cx="3698802" cy="1162702"/>
+            </a:xfrm>
+            <a:prstGeom prst="rect">
+              <a:avLst/>
+            </a:prstGeom>
+          </p:spPr>
+        </p:pic>
+      </p:grpSp>
+    </p:spTree>
+    <p:extLst>
+      <p:ext uri="{BB962C8B-B14F-4D97-AF65-F5344CB8AC3E}">
+        <p14:creationId xmlns:p14="http://schemas.microsoft.com/office/powerpoint/2010/main" val="2122268782"/>
       </p:ext>
     </p:extLst>
   </p:cSld>

--- a/figs/202211-research-report-figs.pptx
+++ b/figs/202211-research-report-figs.pptx
@@ -11,6 +11,7 @@
     <p:sldId id="259" r:id="rId5"/>
     <p:sldId id="260" r:id="rId6"/>
     <p:sldId id="261" r:id="rId7"/>
+    <p:sldId id="262" r:id="rId8"/>
   </p:sldIdLst>
   <p:sldSz cx="12192000" cy="6858000"/>
   <p:notesSz cx="6858000" cy="9144000"/>
@@ -264,7 +265,7 @@
           <a:p>
             <a:fld id="{CB783243-8AE7-4B41-92B3-D2470D0FF610}" type="datetimeFigureOut">
               <a:rPr lang="zh-CN" altLang="en-US" smtClean="0"/>
-              <a:t>2022/10/30</a:t>
+              <a:t>2022/10/31</a:t>
             </a:fld>
             <a:endParaRPr lang="zh-CN" altLang="en-US"/>
           </a:p>
@@ -462,7 +463,7 @@
           <a:p>
             <a:fld id="{CB783243-8AE7-4B41-92B3-D2470D0FF610}" type="datetimeFigureOut">
               <a:rPr lang="zh-CN" altLang="en-US" smtClean="0"/>
-              <a:t>2022/10/30</a:t>
+              <a:t>2022/10/31</a:t>
             </a:fld>
             <a:endParaRPr lang="zh-CN" altLang="en-US"/>
           </a:p>
@@ -670,7 +671,7 @@
           <a:p>
             <a:fld id="{CB783243-8AE7-4B41-92B3-D2470D0FF610}" type="datetimeFigureOut">
               <a:rPr lang="zh-CN" altLang="en-US" smtClean="0"/>
-              <a:t>2022/10/30</a:t>
+              <a:t>2022/10/31</a:t>
             </a:fld>
             <a:endParaRPr lang="zh-CN" altLang="en-US"/>
           </a:p>
@@ -868,7 +869,7 @@
           <a:p>
             <a:fld id="{CB783243-8AE7-4B41-92B3-D2470D0FF610}" type="datetimeFigureOut">
               <a:rPr lang="zh-CN" altLang="en-US" smtClean="0"/>
-              <a:t>2022/10/30</a:t>
+              <a:t>2022/10/31</a:t>
             </a:fld>
             <a:endParaRPr lang="zh-CN" altLang="en-US"/>
           </a:p>
@@ -1143,7 +1144,7 @@
           <a:p>
             <a:fld id="{CB783243-8AE7-4B41-92B3-D2470D0FF610}" type="datetimeFigureOut">
               <a:rPr lang="zh-CN" altLang="en-US" smtClean="0"/>
-              <a:t>2022/10/30</a:t>
+              <a:t>2022/10/31</a:t>
             </a:fld>
             <a:endParaRPr lang="zh-CN" altLang="en-US"/>
           </a:p>
@@ -1408,7 +1409,7 @@
           <a:p>
             <a:fld id="{CB783243-8AE7-4B41-92B3-D2470D0FF610}" type="datetimeFigureOut">
               <a:rPr lang="zh-CN" altLang="en-US" smtClean="0"/>
-              <a:t>2022/10/30</a:t>
+              <a:t>2022/10/31</a:t>
             </a:fld>
             <a:endParaRPr lang="zh-CN" altLang="en-US"/>
           </a:p>
@@ -1820,7 +1821,7 @@
           <a:p>
             <a:fld id="{CB783243-8AE7-4B41-92B3-D2470D0FF610}" type="datetimeFigureOut">
               <a:rPr lang="zh-CN" altLang="en-US" smtClean="0"/>
-              <a:t>2022/10/30</a:t>
+              <a:t>2022/10/31</a:t>
             </a:fld>
             <a:endParaRPr lang="zh-CN" altLang="en-US"/>
           </a:p>
@@ -1961,7 +1962,7 @@
           <a:p>
             <a:fld id="{CB783243-8AE7-4B41-92B3-D2470D0FF610}" type="datetimeFigureOut">
               <a:rPr lang="zh-CN" altLang="en-US" smtClean="0"/>
-              <a:t>2022/10/30</a:t>
+              <a:t>2022/10/31</a:t>
             </a:fld>
             <a:endParaRPr lang="zh-CN" altLang="en-US"/>
           </a:p>
@@ -2074,7 +2075,7 @@
           <a:p>
             <a:fld id="{CB783243-8AE7-4B41-92B3-D2470D0FF610}" type="datetimeFigureOut">
               <a:rPr lang="zh-CN" altLang="en-US" smtClean="0"/>
-              <a:t>2022/10/30</a:t>
+              <a:t>2022/10/31</a:t>
             </a:fld>
             <a:endParaRPr lang="zh-CN" altLang="en-US"/>
           </a:p>
@@ -2385,7 +2386,7 @@
           <a:p>
             <a:fld id="{CB783243-8AE7-4B41-92B3-D2470D0FF610}" type="datetimeFigureOut">
               <a:rPr lang="zh-CN" altLang="en-US" smtClean="0"/>
-              <a:t>2022/10/30</a:t>
+              <a:t>2022/10/31</a:t>
             </a:fld>
             <a:endParaRPr lang="zh-CN" altLang="en-US"/>
           </a:p>
@@ -2673,7 +2674,7 @@
           <a:p>
             <a:fld id="{CB783243-8AE7-4B41-92B3-D2470D0FF610}" type="datetimeFigureOut">
               <a:rPr lang="zh-CN" altLang="en-US" smtClean="0"/>
-              <a:t>2022/10/30</a:t>
+              <a:t>2022/10/31</a:t>
             </a:fld>
             <a:endParaRPr lang="zh-CN" altLang="en-US"/>
           </a:p>
@@ -2914,7 +2915,7 @@
           <a:p>
             <a:fld id="{CB783243-8AE7-4B41-92B3-D2470D0FF610}" type="datetimeFigureOut">
               <a:rPr lang="zh-CN" altLang="en-US" smtClean="0"/>
-              <a:t>2022/10/30</a:t>
+              <a:t>2022/10/31</a:t>
             </a:fld>
             <a:endParaRPr lang="zh-CN" altLang="en-US"/>
           </a:p>
@@ -3938,10 +3939,10 @@
       </p:grpSpPr>
       <p:grpSp>
         <p:nvGrpSpPr>
-          <p:cNvPr id="13" name="组合 12">
-            <a:extLst>
-              <a:ext uri="{FF2B5EF4-FFF2-40B4-BE49-F238E27FC236}">
-                <a16:creationId xmlns:a16="http://schemas.microsoft.com/office/drawing/2014/main" id="{1BE3AA76-3417-5F3C-1825-DBA216861A6F}"/>
+          <p:cNvPr id="2" name="组合 1">
+            <a:extLst>
+              <a:ext uri="{FF2B5EF4-FFF2-40B4-BE49-F238E27FC236}">
+                <a16:creationId xmlns:a16="http://schemas.microsoft.com/office/drawing/2014/main" id="{CDA1F6AB-EF4E-DFE2-0EEA-1125CD3DAD42}"/>
               </a:ext>
             </a:extLst>
           </p:cNvPr>
@@ -3956,486 +3957,507 @@
             <a:chExt cx="7332873" cy="2831532"/>
           </a:xfrm>
         </p:grpSpPr>
-        <p:pic>
-          <p:nvPicPr>
-            <p:cNvPr id="3" name="图片 2">
+        <p:grpSp>
+          <p:nvGrpSpPr>
+            <p:cNvPr id="13" name="组合 12">
               <a:extLst>
                 <a:ext uri="{FF2B5EF4-FFF2-40B4-BE49-F238E27FC236}">
-                  <a16:creationId xmlns:a16="http://schemas.microsoft.com/office/drawing/2014/main" id="{ADD134A9-637E-2D59-4008-6F32D3DCF1FE}"/>
+                  <a16:creationId xmlns:a16="http://schemas.microsoft.com/office/drawing/2014/main" id="{1BE3AA76-3417-5F3C-1825-DBA216861A6F}"/>
                 </a:ext>
               </a:extLst>
             </p:cNvPr>
-            <p:cNvPicPr>
-              <a:picLocks noChangeAspect="1"/>
-            </p:cNvPicPr>
+            <p:cNvGrpSpPr/>
             <p:nvPr/>
-          </p:nvPicPr>
-          <p:blipFill>
-            <a:blip r:embed="rId2">
-              <a:extLst>
-                <a:ext uri="{28A0092B-C50C-407E-A947-70E740481C1C}">
-                  <a14:useLocalDpi xmlns:a14="http://schemas.microsoft.com/office/drawing/2010/main" val="0"/>
-                </a:ext>
-              </a:extLst>
-            </a:blip>
-            <a:stretch>
-              <a:fillRect/>
-            </a:stretch>
-          </p:blipFill>
-          <p:spPr>
+          </p:nvGrpSpPr>
+          <p:grpSpPr>
             <a:xfrm>
-              <a:off x="2514600" y="1887326"/>
-              <a:ext cx="2066607" cy="2066607"/>
+              <a:off x="2514600" y="1676399"/>
+              <a:ext cx="7332873" cy="2831532"/>
+              <a:chOff x="2514600" y="1676399"/>
+              <a:chExt cx="7332873" cy="2831532"/>
             </a:xfrm>
-            <a:prstGeom prst="rect">
-              <a:avLst/>
-            </a:prstGeom>
-          </p:spPr>
-        </p:pic>
-        <p:pic>
-          <p:nvPicPr>
-            <p:cNvPr id="4" name="图片 3">
+          </p:grpSpPr>
+          <p:pic>
+            <p:nvPicPr>
+              <p:cNvPr id="3" name="图片 2">
+                <a:extLst>
+                  <a:ext uri="{FF2B5EF4-FFF2-40B4-BE49-F238E27FC236}">
+                    <a16:creationId xmlns:a16="http://schemas.microsoft.com/office/drawing/2014/main" id="{ADD134A9-637E-2D59-4008-6F32D3DCF1FE}"/>
+                  </a:ext>
+                </a:extLst>
+              </p:cNvPr>
+              <p:cNvPicPr>
+                <a:picLocks noChangeAspect="1"/>
+              </p:cNvPicPr>
+              <p:nvPr/>
+            </p:nvPicPr>
+            <p:blipFill>
+              <a:blip r:embed="rId2">
+                <a:extLst>
+                  <a:ext uri="{28A0092B-C50C-407E-A947-70E740481C1C}">
+                    <a14:useLocalDpi xmlns:a14="http://schemas.microsoft.com/office/drawing/2010/main" val="0"/>
+                  </a:ext>
+                </a:extLst>
+              </a:blip>
+              <a:stretch>
+                <a:fillRect/>
+              </a:stretch>
+            </p:blipFill>
+            <p:spPr>
+              <a:xfrm>
+                <a:off x="2514600" y="1887326"/>
+                <a:ext cx="2066607" cy="2066607"/>
+              </a:xfrm>
+              <a:prstGeom prst="rect">
+                <a:avLst/>
+              </a:prstGeom>
+            </p:spPr>
+          </p:pic>
+          <p:pic>
+            <p:nvPicPr>
+              <p:cNvPr id="4" name="图片 3">
+                <a:extLst>
+                  <a:ext uri="{FF2B5EF4-FFF2-40B4-BE49-F238E27FC236}">
+                    <a16:creationId xmlns:a16="http://schemas.microsoft.com/office/drawing/2014/main" id="{14CBA221-3F9F-899E-C3F5-598E0CE3A0B7}"/>
+                  </a:ext>
+                </a:extLst>
+              </p:cNvPr>
+              <p:cNvPicPr>
+                <a:picLocks noChangeAspect="1"/>
+              </p:cNvPicPr>
+              <p:nvPr/>
+            </p:nvPicPr>
+            <p:blipFill>
+              <a:blip r:embed="rId2">
+                <a:extLst>
+                  <a:ext uri="{28A0092B-C50C-407E-A947-70E740481C1C}">
+                    <a14:useLocalDpi xmlns:a14="http://schemas.microsoft.com/office/drawing/2010/main" val="0"/>
+                  </a:ext>
+                </a:extLst>
+              </a:blip>
+              <a:stretch>
+                <a:fillRect/>
+              </a:stretch>
+            </p:blipFill>
+            <p:spPr>
+              <a:xfrm>
+                <a:off x="7780866" y="1887326"/>
+                <a:ext cx="2066607" cy="2066607"/>
+              </a:xfrm>
+              <a:prstGeom prst="rect">
+                <a:avLst/>
+              </a:prstGeom>
+            </p:spPr>
+          </p:pic>
+          <p:pic>
+            <p:nvPicPr>
+              <p:cNvPr id="7" name="图片 6">
+                <a:extLst>
+                  <a:ext uri="{FF2B5EF4-FFF2-40B4-BE49-F238E27FC236}">
+                    <a16:creationId xmlns:a16="http://schemas.microsoft.com/office/drawing/2014/main" id="{6E749282-861A-6A6D-F564-1C29A5311106}"/>
+                  </a:ext>
+                </a:extLst>
+              </p:cNvPr>
+              <p:cNvPicPr>
+                <a:picLocks noChangeAspect="1"/>
+              </p:cNvPicPr>
+              <p:nvPr/>
+            </p:nvPicPr>
+            <p:blipFill>
+              <a:blip r:embed="rId3">
+                <a:extLst>
+                  <a:ext uri="{28A0092B-C50C-407E-A947-70E740481C1C}">
+                    <a14:useLocalDpi xmlns:a14="http://schemas.microsoft.com/office/drawing/2010/main" val="0"/>
+                  </a:ext>
+                </a:extLst>
+              </a:blip>
+              <a:stretch>
+                <a:fillRect/>
+              </a:stretch>
+            </p:blipFill>
+            <p:spPr>
+              <a:xfrm>
+                <a:off x="4684586" y="2265842"/>
+                <a:ext cx="930804" cy="1309573"/>
+              </a:xfrm>
+              <a:prstGeom prst="rect">
+                <a:avLst/>
+              </a:prstGeom>
+            </p:spPr>
+          </p:pic>
+          <p:pic>
+            <p:nvPicPr>
+              <p:cNvPr id="9" name="图片 8">
+                <a:extLst>
+                  <a:ext uri="{FF2B5EF4-FFF2-40B4-BE49-F238E27FC236}">
+                    <a16:creationId xmlns:a16="http://schemas.microsoft.com/office/drawing/2014/main" id="{1AC1F58A-CE44-8376-9375-A55531ECD371}"/>
+                  </a:ext>
+                </a:extLst>
+              </p:cNvPr>
+              <p:cNvPicPr>
+                <a:picLocks noChangeAspect="1"/>
+              </p:cNvPicPr>
+              <p:nvPr/>
+            </p:nvPicPr>
+            <p:blipFill>
+              <a:blip r:embed="rId4">
+                <a:extLst>
+                  <a:ext uri="{28A0092B-C50C-407E-A947-70E740481C1C}">
+                    <a14:useLocalDpi xmlns:a14="http://schemas.microsoft.com/office/drawing/2010/main" val="0"/>
+                  </a:ext>
+                </a:extLst>
+              </a:blip>
+              <a:stretch>
+                <a:fillRect/>
+              </a:stretch>
+            </p:blipFill>
+            <p:spPr>
+              <a:xfrm>
+                <a:off x="6765400" y="2282131"/>
+                <a:ext cx="895350" cy="1276350"/>
+              </a:xfrm>
+              <a:prstGeom prst="rect">
+                <a:avLst/>
+              </a:prstGeom>
+            </p:spPr>
+          </p:pic>
+          <p:sp>
+            <p:nvSpPr>
+              <p:cNvPr id="10" name="箭头: 左右 9">
+                <a:extLst>
+                  <a:ext uri="{FF2B5EF4-FFF2-40B4-BE49-F238E27FC236}">
+                    <a16:creationId xmlns:a16="http://schemas.microsoft.com/office/drawing/2014/main" id="{7F770AEE-9FAE-F4E2-88C3-3C3468EB0DD5}"/>
+                  </a:ext>
+                </a:extLst>
+              </p:cNvPr>
+              <p:cNvSpPr/>
+              <p:nvPr/>
+            </p:nvSpPr>
+            <p:spPr>
+              <a:xfrm>
+                <a:off x="4334934" y="1676399"/>
+                <a:ext cx="3445932" cy="349165"/>
+              </a:xfrm>
+              <a:prstGeom prst="leftRightArrow">
+                <a:avLst/>
+              </a:prstGeom>
+              <a:noFill/>
+              <a:ln w="34925">
+                <a:prstDash val="dash"/>
+              </a:ln>
+            </p:spPr>
+            <p:style>
+              <a:lnRef idx="2">
+                <a:schemeClr val="accent1">
+                  <a:shade val="50000"/>
+                </a:schemeClr>
+              </a:lnRef>
+              <a:fillRef idx="1">
+                <a:schemeClr val="accent1"/>
+              </a:fillRef>
+              <a:effectRef idx="0">
+                <a:schemeClr val="accent1"/>
+              </a:effectRef>
+              <a:fontRef idx="minor">
+                <a:schemeClr val="lt1"/>
+              </a:fontRef>
+            </p:style>
+            <p:txBody>
+              <a:bodyPr rtlCol="0" anchor="ctr"/>
+              <a:lstStyle/>
+              <a:p>
+                <a:pPr algn="ctr"/>
+                <a:endParaRPr lang="zh-CN" altLang="en-US" dirty="0"/>
+              </a:p>
+            </p:txBody>
+          </p:sp>
+          <mc:AlternateContent xmlns:mc="http://schemas.openxmlformats.org/markup-compatibility/2006" xmlns:a14="http://schemas.microsoft.com/office/drawing/2010/main">
+            <mc:Choice Requires="a14">
+              <p:sp>
+                <p:nvSpPr>
+                  <p:cNvPr id="11" name="文本框 10">
+                    <a:extLst>
+                      <a:ext uri="{FF2B5EF4-FFF2-40B4-BE49-F238E27FC236}">
+                        <a16:creationId xmlns:a16="http://schemas.microsoft.com/office/drawing/2014/main" id="{07BF7D05-8DEA-C0E1-4956-91BD17FF49A3}"/>
+                      </a:ext>
+                    </a:extLst>
+                  </p:cNvPr>
+                  <p:cNvSpPr txBox="1"/>
+                  <p:nvPr/>
+                </p:nvSpPr>
+                <p:spPr>
+                  <a:xfrm>
+                    <a:off x="2856662" y="3953933"/>
+                    <a:ext cx="910506" cy="553998"/>
+                  </a:xfrm>
+                  <a:prstGeom prst="rect">
+                    <a:avLst/>
+                  </a:prstGeom>
+                  <a:noFill/>
+                </p:spPr>
+                <p:txBody>
+                  <a:bodyPr wrap="none" lIns="0" tIns="0" rIns="0" bIns="0" rtlCol="0">
+                    <a:spAutoFit/>
+                  </a:bodyPr>
+                  <a:lstStyle/>
+                  <a:p>
+                    <a:pPr/>
+                    <a14:m>
+                      <m:oMathPara xmlns:m="http://schemas.openxmlformats.org/officeDocument/2006/math">
+                        <m:oMathParaPr>
+                          <m:jc m:val="centerGroup"/>
+                        </m:oMathParaPr>
+                        <m:oMath xmlns:m="http://schemas.openxmlformats.org/officeDocument/2006/math">
+                          <m:r>
+                            <a:rPr lang="en-US" altLang="zh-CN" sz="3600" b="0" i="1" smtClean="0">
+                              <a:latin typeface="Cambria Math" panose="02040503050406030204" pitchFamily="18" charset="0"/>
+                            </a:rPr>
+                            <m:t>100</m:t>
+                          </m:r>
+                        </m:oMath>
+                      </m:oMathPara>
+                    </a14:m>
+                    <a:endParaRPr lang="zh-CN" altLang="en-US" sz="3600" i="1" dirty="0">
+                      <a:latin typeface="Lucida Sans" panose="020B0602030504020204" pitchFamily="34" charset="0"/>
+                    </a:endParaRPr>
+                  </a:p>
+                </p:txBody>
+              </p:sp>
+            </mc:Choice>
+            <mc:Fallback xmlns="">
+              <p:sp>
+                <p:nvSpPr>
+                  <p:cNvPr id="11" name="文本框 10">
+                    <a:extLst>
+                      <a:ext uri="{FF2B5EF4-FFF2-40B4-BE49-F238E27FC236}">
+                        <a16:creationId xmlns:a16="http://schemas.microsoft.com/office/drawing/2014/main" id="{07BF7D05-8DEA-C0E1-4956-91BD17FF49A3}"/>
+                      </a:ext>
+                    </a:extLst>
+                  </p:cNvPr>
+                  <p:cNvSpPr txBox="1">
+                    <a:spLocks noRot="1" noChangeAspect="1" noMove="1" noResize="1" noEditPoints="1" noAdjustHandles="1" noChangeArrowheads="1" noChangeShapeType="1" noTextEdit="1"/>
+                  </p:cNvSpPr>
+                  <p:nvPr/>
+                </p:nvSpPr>
+                <p:spPr>
+                  <a:xfrm>
+                    <a:off x="2856662" y="3953933"/>
+                    <a:ext cx="910506" cy="553998"/>
+                  </a:xfrm>
+                  <a:prstGeom prst="rect">
+                    <a:avLst/>
+                  </a:prstGeom>
+                  <a:blipFill>
+                    <a:blip r:embed="rId5"/>
+                    <a:stretch>
+                      <a:fillRect/>
+                    </a:stretch>
+                  </a:blipFill>
+                </p:spPr>
+                <p:txBody>
+                  <a:bodyPr/>
+                  <a:lstStyle/>
+                  <a:p>
+                    <a:r>
+                      <a:rPr lang="zh-CN" altLang="en-US">
+                        <a:noFill/>
+                      </a:rPr>
+                      <a:t> </a:t>
+                    </a:r>
+                  </a:p>
+                </p:txBody>
+              </p:sp>
+            </mc:Fallback>
+          </mc:AlternateContent>
+          <mc:AlternateContent xmlns:mc="http://schemas.openxmlformats.org/markup-compatibility/2006" xmlns:a14="http://schemas.microsoft.com/office/drawing/2010/main">
+            <mc:Choice Requires="a14">
+              <p:sp>
+                <p:nvSpPr>
+                  <p:cNvPr id="12" name="文本框 11">
+                    <a:extLst>
+                      <a:ext uri="{FF2B5EF4-FFF2-40B4-BE49-F238E27FC236}">
+                        <a16:creationId xmlns:a16="http://schemas.microsoft.com/office/drawing/2014/main" id="{B3E98227-D016-A585-732B-962AE64CEE48}"/>
+                      </a:ext>
+                    </a:extLst>
+                  </p:cNvPr>
+                  <p:cNvSpPr txBox="1"/>
+                  <p:nvPr/>
+                </p:nvSpPr>
+                <p:spPr>
+                  <a:xfrm>
+                    <a:off x="8358916" y="3953933"/>
+                    <a:ext cx="910506" cy="553998"/>
+                  </a:xfrm>
+                  <a:prstGeom prst="rect">
+                    <a:avLst/>
+                  </a:prstGeom>
+                  <a:noFill/>
+                </p:spPr>
+                <p:txBody>
+                  <a:bodyPr wrap="none" lIns="0" tIns="0" rIns="0" bIns="0" rtlCol="0">
+                    <a:spAutoFit/>
+                  </a:bodyPr>
+                  <a:lstStyle/>
+                  <a:p>
+                    <a:pPr/>
+                    <a14:m>
+                      <m:oMathPara xmlns:m="http://schemas.openxmlformats.org/officeDocument/2006/math">
+                        <m:oMathParaPr>
+                          <m:jc m:val="centerGroup"/>
+                        </m:oMathParaPr>
+                        <m:oMath xmlns:m="http://schemas.openxmlformats.org/officeDocument/2006/math">
+                          <m:r>
+                            <a:rPr lang="en-US" altLang="zh-CN" sz="3600" b="0" i="1" smtClean="0">
+                              <a:latin typeface="Cambria Math" panose="02040503050406030204" pitchFamily="18" charset="0"/>
+                            </a:rPr>
+                            <m:t>100</m:t>
+                          </m:r>
+                        </m:oMath>
+                      </m:oMathPara>
+                    </a14:m>
+                    <a:endParaRPr lang="zh-CN" altLang="en-US" sz="3600" i="1" dirty="0">
+                      <a:latin typeface="Lucida Sans" panose="020B0602030504020204" pitchFamily="34" charset="0"/>
+                    </a:endParaRPr>
+                  </a:p>
+                </p:txBody>
+              </p:sp>
+            </mc:Choice>
+            <mc:Fallback xmlns="">
+              <p:sp>
+                <p:nvSpPr>
+                  <p:cNvPr id="12" name="文本框 11">
+                    <a:extLst>
+                      <a:ext uri="{FF2B5EF4-FFF2-40B4-BE49-F238E27FC236}">
+                        <a16:creationId xmlns:a16="http://schemas.microsoft.com/office/drawing/2014/main" id="{B3E98227-D016-A585-732B-962AE64CEE48}"/>
+                      </a:ext>
+                    </a:extLst>
+                  </p:cNvPr>
+                  <p:cNvSpPr txBox="1">
+                    <a:spLocks noRot="1" noChangeAspect="1" noMove="1" noResize="1" noEditPoints="1" noAdjustHandles="1" noChangeArrowheads="1" noChangeShapeType="1" noTextEdit="1"/>
+                  </p:cNvSpPr>
+                  <p:nvPr/>
+                </p:nvSpPr>
+                <p:spPr>
+                  <a:xfrm>
+                    <a:off x="8358916" y="3953933"/>
+                    <a:ext cx="910506" cy="553998"/>
+                  </a:xfrm>
+                  <a:prstGeom prst="rect">
+                    <a:avLst/>
+                  </a:prstGeom>
+                  <a:blipFill>
+                    <a:blip r:embed="rId6"/>
+                    <a:stretch>
+                      <a:fillRect/>
+                    </a:stretch>
+                  </a:blipFill>
+                </p:spPr>
+                <p:txBody>
+                  <a:bodyPr/>
+                  <a:lstStyle/>
+                  <a:p>
+                    <a:r>
+                      <a:rPr lang="zh-CN" altLang="en-US">
+                        <a:noFill/>
+                      </a:rPr>
+                      <a:t> </a:t>
+                    </a:r>
+                  </a:p>
+                </p:txBody>
+              </p:sp>
+            </mc:Fallback>
+          </mc:AlternateContent>
+        </p:grpSp>
+        <p:cxnSp>
+          <p:nvCxnSpPr>
+            <p:cNvPr id="15" name="连接符: 曲线 14">
               <a:extLst>
                 <a:ext uri="{FF2B5EF4-FFF2-40B4-BE49-F238E27FC236}">
-                  <a16:creationId xmlns:a16="http://schemas.microsoft.com/office/drawing/2014/main" id="{14CBA221-3F9F-899E-C3F5-598E0CE3A0B7}"/>
+                  <a16:creationId xmlns:a16="http://schemas.microsoft.com/office/drawing/2014/main" id="{3614461F-51DE-80E5-3679-7065C36706DE}"/>
                 </a:ext>
               </a:extLst>
             </p:cNvPr>
-            <p:cNvPicPr>
-              <a:picLocks noChangeAspect="1"/>
-            </p:cNvPicPr>
+            <p:cNvCxnSpPr>
+              <a:stCxn id="7" idx="2"/>
+              <a:endCxn id="3" idx="2"/>
+            </p:cNvCxnSpPr>
             <p:nvPr/>
-          </p:nvPicPr>
-          <p:blipFill>
-            <a:blip r:embed="rId2">
-              <a:extLst>
-                <a:ext uri="{28A0092B-C50C-407E-A947-70E740481C1C}">
-                  <a14:useLocalDpi xmlns:a14="http://schemas.microsoft.com/office/drawing/2010/main" val="0"/>
-                </a:ext>
-              </a:extLst>
-            </a:blip>
-            <a:stretch>
-              <a:fillRect/>
-            </a:stretch>
-          </p:blipFill>
+          </p:nvCxnSpPr>
           <p:spPr>
-            <a:xfrm>
-              <a:off x="7780866" y="1887326"/>
-              <a:ext cx="2066607" cy="2066607"/>
+            <a:xfrm rot="5400000">
+              <a:off x="4159687" y="2963632"/>
+              <a:ext cx="378518" cy="1602084"/>
             </a:xfrm>
-            <a:prstGeom prst="rect">
-              <a:avLst/>
+            <a:prstGeom prst="curvedConnector3">
+              <a:avLst>
+                <a:gd name="adj1" fmla="val 160393"/>
+              </a:avLst>
             </a:prstGeom>
-          </p:spPr>
-        </p:pic>
-        <p:pic>
-          <p:nvPicPr>
-            <p:cNvPr id="7" name="图片 6">
-              <a:extLst>
-                <a:ext uri="{FF2B5EF4-FFF2-40B4-BE49-F238E27FC236}">
-                  <a16:creationId xmlns:a16="http://schemas.microsoft.com/office/drawing/2014/main" id="{6E749282-861A-6A6D-F564-1C29A5311106}"/>
-                </a:ext>
-              </a:extLst>
-            </p:cNvPr>
-            <p:cNvPicPr>
-              <a:picLocks noChangeAspect="1"/>
-            </p:cNvPicPr>
-            <p:nvPr/>
-          </p:nvPicPr>
-          <p:blipFill>
-            <a:blip r:embed="rId3">
-              <a:extLst>
-                <a:ext uri="{28A0092B-C50C-407E-A947-70E740481C1C}">
-                  <a14:useLocalDpi xmlns:a14="http://schemas.microsoft.com/office/drawing/2010/main" val="0"/>
-                </a:ext>
-              </a:extLst>
-            </a:blip>
-            <a:stretch>
-              <a:fillRect/>
-            </a:stretch>
-          </p:blipFill>
-          <p:spPr>
-            <a:xfrm>
-              <a:off x="4684586" y="2265842"/>
-              <a:ext cx="930804" cy="1309573"/>
-            </a:xfrm>
-            <a:prstGeom prst="rect">
-              <a:avLst/>
-            </a:prstGeom>
-          </p:spPr>
-        </p:pic>
-        <p:pic>
-          <p:nvPicPr>
-            <p:cNvPr id="9" name="图片 8">
-              <a:extLst>
-                <a:ext uri="{FF2B5EF4-FFF2-40B4-BE49-F238E27FC236}">
-                  <a16:creationId xmlns:a16="http://schemas.microsoft.com/office/drawing/2014/main" id="{1AC1F58A-CE44-8376-9375-A55531ECD371}"/>
-                </a:ext>
-              </a:extLst>
-            </p:cNvPr>
-            <p:cNvPicPr>
-              <a:picLocks noChangeAspect="1"/>
-            </p:cNvPicPr>
-            <p:nvPr/>
-          </p:nvPicPr>
-          <p:blipFill>
-            <a:blip r:embed="rId4">
-              <a:extLst>
-                <a:ext uri="{28A0092B-C50C-407E-A947-70E740481C1C}">
-                  <a14:useLocalDpi xmlns:a14="http://schemas.microsoft.com/office/drawing/2010/main" val="0"/>
-                </a:ext>
-              </a:extLst>
-            </a:blip>
-            <a:stretch>
-              <a:fillRect/>
-            </a:stretch>
-          </p:blipFill>
-          <p:spPr>
-            <a:xfrm>
-              <a:off x="6765400" y="2282131"/>
-              <a:ext cx="895350" cy="1276350"/>
-            </a:xfrm>
-            <a:prstGeom prst="rect">
-              <a:avLst/>
-            </a:prstGeom>
-          </p:spPr>
-        </p:pic>
-        <p:sp>
-          <p:nvSpPr>
-            <p:cNvPr id="10" name="箭头: 左右 9">
-              <a:extLst>
-                <a:ext uri="{FF2B5EF4-FFF2-40B4-BE49-F238E27FC236}">
-                  <a16:creationId xmlns:a16="http://schemas.microsoft.com/office/drawing/2014/main" id="{7F770AEE-9FAE-F4E2-88C3-3C3468EB0DD5}"/>
-                </a:ext>
-              </a:extLst>
-            </p:cNvPr>
-            <p:cNvSpPr/>
-            <p:nvPr/>
-          </p:nvSpPr>
-          <p:spPr>
-            <a:xfrm>
-              <a:off x="4334934" y="1676399"/>
-              <a:ext cx="3445932" cy="349165"/>
-            </a:xfrm>
-            <a:prstGeom prst="leftRightArrow">
-              <a:avLst/>
-            </a:prstGeom>
-            <a:noFill/>
-            <a:ln w="34925">
-              <a:prstDash val="dash"/>
+            <a:ln w="38100">
+              <a:tailEnd type="triangle"/>
             </a:ln>
           </p:spPr>
           <p:style>
-            <a:lnRef idx="2">
-              <a:schemeClr val="accent1">
-                <a:shade val="50000"/>
-              </a:schemeClr>
+            <a:lnRef idx="1">
+              <a:schemeClr val="accent1"/>
             </a:lnRef>
-            <a:fillRef idx="1">
+            <a:fillRef idx="0">
               <a:schemeClr val="accent1"/>
             </a:fillRef>
             <a:effectRef idx="0">
               <a:schemeClr val="accent1"/>
             </a:effectRef>
             <a:fontRef idx="minor">
-              <a:schemeClr val="lt1"/>
+              <a:schemeClr val="tx1"/>
             </a:fontRef>
           </p:style>
-          <p:txBody>
-            <a:bodyPr rtlCol="0" anchor="ctr"/>
-            <a:lstStyle/>
-            <a:p>
-              <a:pPr algn="ctr"/>
-              <a:endParaRPr lang="zh-CN" altLang="en-US" dirty="0"/>
-            </a:p>
-          </p:txBody>
-        </p:sp>
-        <mc:AlternateContent xmlns:mc="http://schemas.openxmlformats.org/markup-compatibility/2006" xmlns:a14="http://schemas.microsoft.com/office/drawing/2010/main">
-          <mc:Choice Requires="a14">
-            <p:sp>
-              <p:nvSpPr>
-                <p:cNvPr id="11" name="文本框 10">
-                  <a:extLst>
-                    <a:ext uri="{FF2B5EF4-FFF2-40B4-BE49-F238E27FC236}">
-                      <a16:creationId xmlns:a16="http://schemas.microsoft.com/office/drawing/2014/main" id="{07BF7D05-8DEA-C0E1-4956-91BD17FF49A3}"/>
-                    </a:ext>
-                  </a:extLst>
-                </p:cNvPr>
-                <p:cNvSpPr txBox="1"/>
-                <p:nvPr/>
-              </p:nvSpPr>
-              <p:spPr>
-                <a:xfrm>
-                  <a:off x="2856662" y="3953933"/>
-                  <a:ext cx="910506" cy="553998"/>
-                </a:xfrm>
-                <a:prstGeom prst="rect">
-                  <a:avLst/>
-                </a:prstGeom>
-                <a:noFill/>
-              </p:spPr>
-              <p:txBody>
-                <a:bodyPr wrap="none" lIns="0" tIns="0" rIns="0" bIns="0" rtlCol="0">
-                  <a:spAutoFit/>
-                </a:bodyPr>
-                <a:lstStyle/>
-                <a:p>
-                  <a:pPr/>
-                  <a14:m>
-                    <m:oMathPara xmlns:m="http://schemas.openxmlformats.org/officeDocument/2006/math">
-                      <m:oMathParaPr>
-                        <m:jc m:val="centerGroup"/>
-                      </m:oMathParaPr>
-                      <m:oMath xmlns:m="http://schemas.openxmlformats.org/officeDocument/2006/math">
-                        <m:r>
-                          <a:rPr lang="en-US" altLang="zh-CN" sz="3600" b="0" i="1" smtClean="0">
-                            <a:latin typeface="Cambria Math" panose="02040503050406030204" pitchFamily="18" charset="0"/>
-                          </a:rPr>
-                          <m:t>100</m:t>
-                        </m:r>
-                      </m:oMath>
-                    </m:oMathPara>
-                  </a14:m>
-                  <a:endParaRPr lang="zh-CN" altLang="en-US" sz="3600" i="1" dirty="0">
-                    <a:latin typeface="Lucida Sans" panose="020B0602030504020204" pitchFamily="34" charset="0"/>
-                  </a:endParaRPr>
-                </a:p>
-              </p:txBody>
-            </p:sp>
-          </mc:Choice>
-          <mc:Fallback xmlns="">
-            <p:sp>
-              <p:nvSpPr>
-                <p:cNvPr id="11" name="文本框 10">
-                  <a:extLst>
-                    <a:ext uri="{FF2B5EF4-FFF2-40B4-BE49-F238E27FC236}">
-                      <a16:creationId xmlns:a16="http://schemas.microsoft.com/office/drawing/2014/main" id="{07BF7D05-8DEA-C0E1-4956-91BD17FF49A3}"/>
-                    </a:ext>
-                  </a:extLst>
-                </p:cNvPr>
-                <p:cNvSpPr txBox="1">
-                  <a:spLocks noRot="1" noChangeAspect="1" noMove="1" noResize="1" noEditPoints="1" noAdjustHandles="1" noChangeArrowheads="1" noChangeShapeType="1" noTextEdit="1"/>
-                </p:cNvSpPr>
-                <p:nvPr/>
-              </p:nvSpPr>
-              <p:spPr>
-                <a:xfrm>
-                  <a:off x="2856662" y="3953933"/>
-                  <a:ext cx="910506" cy="553998"/>
-                </a:xfrm>
-                <a:prstGeom prst="rect">
-                  <a:avLst/>
-                </a:prstGeom>
-                <a:blipFill>
-                  <a:blip r:embed="rId5"/>
-                  <a:stretch>
-                    <a:fillRect/>
-                  </a:stretch>
-                </a:blipFill>
-              </p:spPr>
-              <p:txBody>
-                <a:bodyPr/>
-                <a:lstStyle/>
-                <a:p>
-                  <a:r>
-                    <a:rPr lang="zh-CN" altLang="en-US">
-                      <a:noFill/>
-                    </a:rPr>
-                    <a:t> </a:t>
-                  </a:r>
-                </a:p>
-              </p:txBody>
-            </p:sp>
-          </mc:Fallback>
-        </mc:AlternateContent>
-        <mc:AlternateContent xmlns:mc="http://schemas.openxmlformats.org/markup-compatibility/2006" xmlns:a14="http://schemas.microsoft.com/office/drawing/2010/main">
-          <mc:Choice Requires="a14">
-            <p:sp>
-              <p:nvSpPr>
-                <p:cNvPr id="12" name="文本框 11">
-                  <a:extLst>
-                    <a:ext uri="{FF2B5EF4-FFF2-40B4-BE49-F238E27FC236}">
-                      <a16:creationId xmlns:a16="http://schemas.microsoft.com/office/drawing/2014/main" id="{B3E98227-D016-A585-732B-962AE64CEE48}"/>
-                    </a:ext>
-                  </a:extLst>
-                </p:cNvPr>
-                <p:cNvSpPr txBox="1"/>
-                <p:nvPr/>
-              </p:nvSpPr>
-              <p:spPr>
-                <a:xfrm>
-                  <a:off x="8358916" y="3953933"/>
-                  <a:ext cx="910506" cy="553998"/>
-                </a:xfrm>
-                <a:prstGeom prst="rect">
-                  <a:avLst/>
-                </a:prstGeom>
-                <a:noFill/>
-              </p:spPr>
-              <p:txBody>
-                <a:bodyPr wrap="none" lIns="0" tIns="0" rIns="0" bIns="0" rtlCol="0">
-                  <a:spAutoFit/>
-                </a:bodyPr>
-                <a:lstStyle/>
-                <a:p>
-                  <a:pPr/>
-                  <a14:m>
-                    <m:oMathPara xmlns:m="http://schemas.openxmlformats.org/officeDocument/2006/math">
-                      <m:oMathParaPr>
-                        <m:jc m:val="centerGroup"/>
-                      </m:oMathParaPr>
-                      <m:oMath xmlns:m="http://schemas.openxmlformats.org/officeDocument/2006/math">
-                        <m:r>
-                          <a:rPr lang="en-US" altLang="zh-CN" sz="3600" b="0" i="1" smtClean="0">
-                            <a:latin typeface="Cambria Math" panose="02040503050406030204" pitchFamily="18" charset="0"/>
-                          </a:rPr>
-                          <m:t>100</m:t>
-                        </m:r>
-                      </m:oMath>
-                    </m:oMathPara>
-                  </a14:m>
-                  <a:endParaRPr lang="zh-CN" altLang="en-US" sz="3600" i="1" dirty="0">
-                    <a:latin typeface="Lucida Sans" panose="020B0602030504020204" pitchFamily="34" charset="0"/>
-                  </a:endParaRPr>
-                </a:p>
-              </p:txBody>
-            </p:sp>
-          </mc:Choice>
-          <mc:Fallback xmlns="">
-            <p:sp>
-              <p:nvSpPr>
-                <p:cNvPr id="12" name="文本框 11">
-                  <a:extLst>
-                    <a:ext uri="{FF2B5EF4-FFF2-40B4-BE49-F238E27FC236}">
-                      <a16:creationId xmlns:a16="http://schemas.microsoft.com/office/drawing/2014/main" id="{B3E98227-D016-A585-732B-962AE64CEE48}"/>
-                    </a:ext>
-                  </a:extLst>
-                </p:cNvPr>
-                <p:cNvSpPr txBox="1">
-                  <a:spLocks noRot="1" noChangeAspect="1" noMove="1" noResize="1" noEditPoints="1" noAdjustHandles="1" noChangeArrowheads="1" noChangeShapeType="1" noTextEdit="1"/>
-                </p:cNvSpPr>
-                <p:nvPr/>
-              </p:nvSpPr>
-              <p:spPr>
-                <a:xfrm>
-                  <a:off x="8358916" y="3953933"/>
-                  <a:ext cx="910506" cy="553998"/>
-                </a:xfrm>
-                <a:prstGeom prst="rect">
-                  <a:avLst/>
-                </a:prstGeom>
-                <a:blipFill>
-                  <a:blip r:embed="rId6"/>
-                  <a:stretch>
-                    <a:fillRect/>
-                  </a:stretch>
-                </a:blipFill>
-              </p:spPr>
-              <p:txBody>
-                <a:bodyPr/>
-                <a:lstStyle/>
-                <a:p>
-                  <a:r>
-                    <a:rPr lang="zh-CN" altLang="en-US">
-                      <a:noFill/>
-                    </a:rPr>
-                    <a:t> </a:t>
-                  </a:r>
-                </a:p>
-              </p:txBody>
-            </p:sp>
-          </mc:Fallback>
-        </mc:AlternateContent>
+        </p:cxnSp>
+        <p:cxnSp>
+          <p:nvCxnSpPr>
+            <p:cNvPr id="16" name="连接符: 曲线 15">
+              <a:extLst>
+                <a:ext uri="{FF2B5EF4-FFF2-40B4-BE49-F238E27FC236}">
+                  <a16:creationId xmlns:a16="http://schemas.microsoft.com/office/drawing/2014/main" id="{9B2D6DC0-CD9D-696C-8AAD-1DE7CAA090D7}"/>
+                </a:ext>
+              </a:extLst>
+            </p:cNvPr>
+            <p:cNvCxnSpPr>
+              <a:cxnSpLocks/>
+              <a:stCxn id="9" idx="2"/>
+              <a:endCxn id="4" idx="2"/>
+            </p:cNvCxnSpPr>
+            <p:nvPr/>
+          </p:nvCxnSpPr>
+          <p:spPr>
+            <a:xfrm rot="16200000" flipH="1">
+              <a:off x="7815896" y="2955659"/>
+              <a:ext cx="395452" cy="1601095"/>
+            </a:xfrm>
+            <a:prstGeom prst="curvedConnector3">
+              <a:avLst>
+                <a:gd name="adj1" fmla="val 157807"/>
+              </a:avLst>
+            </a:prstGeom>
+            <a:ln w="38100">
+              <a:tailEnd type="triangle"/>
+            </a:ln>
+          </p:spPr>
+          <p:style>
+            <a:lnRef idx="1">
+              <a:schemeClr val="accent1"/>
+            </a:lnRef>
+            <a:fillRef idx="0">
+              <a:schemeClr val="accent1"/>
+            </a:fillRef>
+            <a:effectRef idx="0">
+              <a:schemeClr val="accent1"/>
+            </a:effectRef>
+            <a:fontRef idx="minor">
+              <a:schemeClr val="tx1"/>
+            </a:fontRef>
+          </p:style>
+        </p:cxnSp>
       </p:grpSp>
-      <p:cxnSp>
-        <p:nvCxnSpPr>
-          <p:cNvPr id="15" name="连接符: 曲线 14">
-            <a:extLst>
-              <a:ext uri="{FF2B5EF4-FFF2-40B4-BE49-F238E27FC236}">
-                <a16:creationId xmlns:a16="http://schemas.microsoft.com/office/drawing/2014/main" id="{3614461F-51DE-80E5-3679-7065C36706DE}"/>
-              </a:ext>
-            </a:extLst>
-          </p:cNvPr>
-          <p:cNvCxnSpPr>
-            <a:stCxn id="7" idx="2"/>
-            <a:endCxn id="3" idx="2"/>
-          </p:cNvCxnSpPr>
-          <p:nvPr/>
-        </p:nvCxnSpPr>
-        <p:spPr>
-          <a:xfrm rot="5400000">
-            <a:off x="4159687" y="2963632"/>
-            <a:ext cx="378518" cy="1602084"/>
-          </a:xfrm>
-          <a:prstGeom prst="curvedConnector3">
-            <a:avLst>
-              <a:gd name="adj1" fmla="val 160393"/>
-            </a:avLst>
-          </a:prstGeom>
-          <a:ln w="38100">
-            <a:tailEnd type="triangle"/>
-          </a:ln>
-        </p:spPr>
-        <p:style>
-          <a:lnRef idx="1">
-            <a:schemeClr val="accent1"/>
-          </a:lnRef>
-          <a:fillRef idx="0">
-            <a:schemeClr val="accent1"/>
-          </a:fillRef>
-          <a:effectRef idx="0">
-            <a:schemeClr val="accent1"/>
-          </a:effectRef>
-          <a:fontRef idx="minor">
-            <a:schemeClr val="tx1"/>
-          </a:fontRef>
-        </p:style>
-      </p:cxnSp>
-      <p:cxnSp>
-        <p:nvCxnSpPr>
-          <p:cNvPr id="16" name="连接符: 曲线 15">
-            <a:extLst>
-              <a:ext uri="{FF2B5EF4-FFF2-40B4-BE49-F238E27FC236}">
-                <a16:creationId xmlns:a16="http://schemas.microsoft.com/office/drawing/2014/main" id="{9B2D6DC0-CD9D-696C-8AAD-1DE7CAA090D7}"/>
-              </a:ext>
-            </a:extLst>
-          </p:cNvPr>
-          <p:cNvCxnSpPr>
-            <a:cxnSpLocks/>
-            <a:stCxn id="9" idx="2"/>
-            <a:endCxn id="4" idx="2"/>
-          </p:cNvCxnSpPr>
-          <p:nvPr/>
-        </p:nvCxnSpPr>
-        <p:spPr>
-          <a:xfrm rot="16200000" flipH="1">
-            <a:off x="7815896" y="2955659"/>
-            <a:ext cx="395452" cy="1601095"/>
-          </a:xfrm>
-          <a:prstGeom prst="curvedConnector3">
-            <a:avLst>
-              <a:gd name="adj1" fmla="val 157807"/>
-            </a:avLst>
-          </a:prstGeom>
-          <a:ln w="38100">
-            <a:tailEnd type="triangle"/>
-          </a:ln>
-        </p:spPr>
-        <p:style>
-          <a:lnRef idx="1">
-            <a:schemeClr val="accent1"/>
-          </a:lnRef>
-          <a:fillRef idx="0">
-            <a:schemeClr val="accent1"/>
-          </a:fillRef>
-          <a:effectRef idx="0">
-            <a:schemeClr val="accent1"/>
-          </a:effectRef>
-          <a:fontRef idx="minor">
-            <a:schemeClr val="tx1"/>
-          </a:fontRef>
-        </p:style>
-      </p:cxnSp>
     </p:spTree>
     <p:extLst>
       <p:ext uri="{BB962C8B-B14F-4D97-AF65-F5344CB8AC3E}">
@@ -5049,6 +5071,66 @@
 </p:sld>
 </file>
 
+<file path=ppt/slides/slide7.xml><?xml version="1.0" encoding="utf-8"?>
+<p:sld xmlns:a="http://schemas.openxmlformats.org/drawingml/2006/main" xmlns:r="http://schemas.openxmlformats.org/officeDocument/2006/relationships" xmlns:p="http://schemas.openxmlformats.org/presentationml/2006/main">
+  <p:cSld>
+    <p:spTree>
+      <p:nvGrpSpPr>
+        <p:cNvPr id="1" name=""/>
+        <p:cNvGrpSpPr/>
+        <p:nvPr/>
+      </p:nvGrpSpPr>
+      <p:grpSpPr>
+        <a:xfrm>
+          <a:off x="0" y="0"/>
+          <a:ext cx="0" cy="0"/>
+          <a:chOff x="0" y="0"/>
+          <a:chExt cx="0" cy="0"/>
+        </a:xfrm>
+      </p:grpSpPr>
+      <p:pic>
+        <p:nvPicPr>
+          <p:cNvPr id="3" name="图片 2">
+            <a:extLst>
+              <a:ext uri="{FF2B5EF4-FFF2-40B4-BE49-F238E27FC236}">
+                <a16:creationId xmlns:a16="http://schemas.microsoft.com/office/drawing/2014/main" id="{AA18EDD2-3150-2C9C-F643-4C7BB384EE0D}"/>
+              </a:ext>
+            </a:extLst>
+          </p:cNvPr>
+          <p:cNvPicPr>
+            <a:picLocks noChangeAspect="1"/>
+          </p:cNvPicPr>
+          <p:nvPr/>
+        </p:nvPicPr>
+        <p:blipFill>
+          <a:blip r:embed="rId2"/>
+          <a:stretch>
+            <a:fillRect/>
+          </a:stretch>
+        </p:blipFill>
+        <p:spPr>
+          <a:xfrm>
+            <a:off x="2319866" y="886309"/>
+            <a:ext cx="6068699" cy="3871957"/>
+          </a:xfrm>
+          <a:prstGeom prst="rect">
+            <a:avLst/>
+          </a:prstGeom>
+        </p:spPr>
+      </p:pic>
+    </p:spTree>
+    <p:extLst>
+      <p:ext uri="{BB962C8B-B14F-4D97-AF65-F5344CB8AC3E}">
+        <p14:creationId xmlns:p14="http://schemas.microsoft.com/office/powerpoint/2010/main" val="2220324577"/>
+      </p:ext>
+    </p:extLst>
+  </p:cSld>
+  <p:clrMapOvr>
+    <a:masterClrMapping/>
+  </p:clrMapOvr>
+</p:sld>
+</file>
+
 <file path=ppt/theme/theme1.xml><?xml version="1.0" encoding="utf-8"?>
 <a:theme xmlns:a="http://schemas.openxmlformats.org/drawingml/2006/main" name="Office 主题​​">
   <a:themeElements>
